--- a/分布式计算/课件/08. P2P系统中的查询算法.pptx
+++ b/分布式计算/课件/08. P2P系统中的查询算法.pptx
@@ -296,7 +296,7 @@
               <a:pPr>
                 <a:defRPr/>
               </a:pPr>
-              <a:t>2019/4/16</a:t>
+              <a:t>2019/4/23</a:t>
             </a:fld>
             <a:endParaRPr lang="zh-CN" altLang="en-US"/>
           </a:p>
@@ -514,7 +514,7 @@
               <a:pPr>
                 <a:defRPr/>
               </a:pPr>
-              <a:t>2019/4/16</a:t>
+              <a:t>2019/4/23</a:t>
             </a:fld>
             <a:endParaRPr lang="zh-CN" altLang="en-US"/>
           </a:p>
@@ -874,7 +874,7 @@
           </a:ln>
           <a:extLst>
             <a:ext uri="{909E8E84-426E-40dd-AFC4-6F175D3DCCD1}">
-              <a14:hiddenFill xmlns="" xmlns:a14="http://schemas.microsoft.com/office/drawing/2010/main">
+              <a14:hiddenFill xmlns:a14="http://schemas.microsoft.com/office/drawing/2010/main" xmlns="">
                 <a:solidFill>
                   <a:srgbClr val="FFFFFF"/>
                 </a:solidFill>
@@ -897,14 +897,14 @@
           <a:noFill/>
           <a:extLst>
             <a:ext uri="{909E8E84-426E-40dd-AFC4-6F175D3DCCD1}">
-              <a14:hiddenFill xmlns="" xmlns:a14="http://schemas.microsoft.com/office/drawing/2010/main">
+              <a14:hiddenFill xmlns:a14="http://schemas.microsoft.com/office/drawing/2010/main" xmlns="">
                 <a:solidFill>
                   <a:srgbClr val="FFFFFF"/>
                 </a:solidFill>
               </a14:hiddenFill>
             </a:ext>
             <a:ext uri="{91240B29-F687-4f45-9708-019B960494DF}">
-              <a14:hiddenLine xmlns="" xmlns:a14="http://schemas.microsoft.com/office/drawing/2010/main" w="9525">
+              <a14:hiddenLine xmlns:a14="http://schemas.microsoft.com/office/drawing/2010/main" xmlns="" w="9525">
                 <a:solidFill>
                   <a:srgbClr val="000000"/>
                 </a:solidFill>
@@ -1120,7 +1120,7 @@
           </a:ln>
           <a:extLst>
             <a:ext uri="{909E8E84-426E-40dd-AFC4-6F175D3DCCD1}">
-              <a14:hiddenFill xmlns="" xmlns:a14="http://schemas.microsoft.com/office/drawing/2010/main">
+              <a14:hiddenFill xmlns:a14="http://schemas.microsoft.com/office/drawing/2010/main" xmlns="">
                 <a:solidFill>
                   <a:srgbClr val="FFFFFF"/>
                 </a:solidFill>
@@ -1143,14 +1143,14 @@
           <a:noFill/>
           <a:extLst>
             <a:ext uri="{909E8E84-426E-40dd-AFC4-6F175D3DCCD1}">
-              <a14:hiddenFill xmlns="" xmlns:a14="http://schemas.microsoft.com/office/drawing/2010/main">
+              <a14:hiddenFill xmlns:a14="http://schemas.microsoft.com/office/drawing/2010/main" xmlns="">
                 <a:solidFill>
                   <a:srgbClr val="FFFFFF"/>
                 </a:solidFill>
               </a14:hiddenFill>
             </a:ext>
             <a:ext uri="{91240B29-F687-4f45-9708-019B960494DF}">
-              <a14:hiddenLine xmlns="" xmlns:a14="http://schemas.microsoft.com/office/drawing/2010/main" w="9525">
+              <a14:hiddenLine xmlns:a14="http://schemas.microsoft.com/office/drawing/2010/main" xmlns="" w="9525">
                 <a:solidFill>
                   <a:srgbClr val="000000"/>
                 </a:solidFill>
@@ -1169,7 +1169,17 @@
           </a:bodyPr>
           <a:lstStyle/>
           <a:p>
-            <a:endParaRPr lang="zh-CN" altLang="en-US" dirty="0"/>
+            <a:r>
+              <a:rPr lang="zh-CN" altLang="en-US" dirty="0"/>
+              <a:t>每个节点的路由表实际上表示的是树的一条路径。</a:t>
+            </a:r>
+            <a:endParaRPr lang="en-US" altLang="zh-CN" dirty="0"/>
+          </a:p>
+          <a:p>
+            <a:r>
+              <a:rPr lang="zh-CN" altLang="en-US" dirty="0"/>
+              <a:t>路由表的每一层带上自己的兄弟的原因是为了更加方便路由，而且兄弟离自己很近，路由的时候比较准确；</a:t>
+            </a:r>
           </a:p>
         </p:txBody>
       </p:sp>
@@ -1366,7 +1376,7 @@
           </a:ln>
           <a:extLst>
             <a:ext uri="{909E8E84-426E-40dd-AFC4-6F175D3DCCD1}">
-              <a14:hiddenFill xmlns="" xmlns:a14="http://schemas.microsoft.com/office/drawing/2010/main">
+              <a14:hiddenFill xmlns:a14="http://schemas.microsoft.com/office/drawing/2010/main" xmlns="">
                 <a:solidFill>
                   <a:srgbClr val="FFFFFF"/>
                 </a:solidFill>
@@ -1389,14 +1399,14 @@
           <a:noFill/>
           <a:extLst>
             <a:ext uri="{909E8E84-426E-40dd-AFC4-6F175D3DCCD1}">
-              <a14:hiddenFill xmlns="" xmlns:a14="http://schemas.microsoft.com/office/drawing/2010/main">
+              <a14:hiddenFill xmlns:a14="http://schemas.microsoft.com/office/drawing/2010/main" xmlns="">
                 <a:solidFill>
                   <a:srgbClr val="FFFFFF"/>
                 </a:solidFill>
               </a14:hiddenFill>
             </a:ext>
             <a:ext uri="{91240B29-F687-4f45-9708-019B960494DF}">
-              <a14:hiddenLine xmlns="" xmlns:a14="http://schemas.microsoft.com/office/drawing/2010/main" w="9525">
+              <a14:hiddenLine xmlns:a14="http://schemas.microsoft.com/office/drawing/2010/main" xmlns="" w="9525">
                 <a:solidFill>
                   <a:srgbClr val="000000"/>
                 </a:solidFill>
@@ -1612,7 +1622,7 @@
           </a:ln>
           <a:extLst>
             <a:ext uri="{909E8E84-426E-40dd-AFC4-6F175D3DCCD1}">
-              <a14:hiddenFill xmlns="" xmlns:a14="http://schemas.microsoft.com/office/drawing/2010/main">
+              <a14:hiddenFill xmlns:a14="http://schemas.microsoft.com/office/drawing/2010/main" xmlns="">
                 <a:solidFill>
                   <a:srgbClr val="FFFFFF"/>
                 </a:solidFill>
@@ -1635,14 +1645,14 @@
           <a:noFill/>
           <a:extLst>
             <a:ext uri="{909E8E84-426E-40dd-AFC4-6F175D3DCCD1}">
-              <a14:hiddenFill xmlns="" xmlns:a14="http://schemas.microsoft.com/office/drawing/2010/main">
+              <a14:hiddenFill xmlns:a14="http://schemas.microsoft.com/office/drawing/2010/main" xmlns="">
                 <a:solidFill>
                   <a:srgbClr val="FFFFFF"/>
                 </a:solidFill>
               </a14:hiddenFill>
             </a:ext>
             <a:ext uri="{91240B29-F687-4f45-9708-019B960494DF}">
-              <a14:hiddenLine xmlns="" xmlns:a14="http://schemas.microsoft.com/office/drawing/2010/main" w="9525">
+              <a14:hiddenLine xmlns:a14="http://schemas.microsoft.com/office/drawing/2010/main" xmlns="" w="9525">
                 <a:solidFill>
                   <a:srgbClr val="000000"/>
                 </a:solidFill>
@@ -1661,7 +1671,74 @@
           </a:bodyPr>
           <a:lstStyle/>
           <a:p>
-            <a:endParaRPr lang="zh-CN" altLang="en-US" dirty="0"/>
+            <a:r>
+              <a:rPr lang="zh-CN" altLang="en-US" dirty="0"/>
+              <a:t>图中的</a:t>
+            </a:r>
+            <a:r>
+              <a:rPr lang="en-US" altLang="zh-CN" dirty="0"/>
+              <a:t>n</a:t>
+            </a:r>
+            <a:r>
+              <a:rPr lang="zh-CN" altLang="en-US" dirty="0"/>
+              <a:t>是</a:t>
+            </a:r>
+            <a:r>
+              <a:rPr lang="en-US" altLang="zh-CN" dirty="0"/>
+              <a:t>A</a:t>
+            </a:r>
+            <a:r>
+              <a:rPr lang="zh-CN" altLang="en-US" dirty="0"/>
+              <a:t>的</a:t>
+            </a:r>
+            <a:r>
+              <a:rPr lang="en-US" altLang="zh-CN" dirty="0"/>
+              <a:t>IP</a:t>
+            </a:r>
+            <a:r>
+              <a:rPr lang="zh-CN" altLang="en-US" dirty="0"/>
+              <a:t>地址，所以若是查找第一行不是</a:t>
+            </a:r>
+            <a:r>
+              <a:rPr lang="en-US" altLang="zh-CN" dirty="0"/>
+              <a:t>6</a:t>
+            </a:r>
+            <a:r>
+              <a:rPr lang="zh-CN" altLang="en-US" dirty="0"/>
+              <a:t>而是</a:t>
+            </a:r>
+            <a:r>
+              <a:rPr lang="en-US" altLang="zh-CN" dirty="0"/>
+              <a:t>A</a:t>
+            </a:r>
+            <a:r>
+              <a:rPr lang="zh-CN" altLang="en-US" dirty="0"/>
+              <a:t>，那么可以根据</a:t>
+            </a:r>
+            <a:r>
+              <a:rPr lang="en-US" altLang="zh-CN" dirty="0"/>
+              <a:t>A</a:t>
+            </a:r>
+            <a:r>
+              <a:rPr lang="zh-CN" altLang="en-US" dirty="0"/>
+              <a:t>下面的</a:t>
+            </a:r>
+            <a:r>
+              <a:rPr lang="en-US" altLang="zh-CN" dirty="0"/>
+              <a:t>IP</a:t>
+            </a:r>
+            <a:r>
+              <a:rPr lang="zh-CN" altLang="en-US" dirty="0"/>
+              <a:t>地址路由到</a:t>
+            </a:r>
+            <a:r>
+              <a:rPr lang="en-US" altLang="zh-CN" dirty="0"/>
+              <a:t>A</a:t>
+            </a:r>
+            <a:r>
+              <a:rPr lang="zh-CN" altLang="en-US" dirty="0"/>
+              <a:t>节点上去；</a:t>
+            </a:r>
           </a:p>
         </p:txBody>
       </p:sp>
@@ -1858,7 +1935,7 @@
           </a:ln>
           <a:extLst>
             <a:ext uri="{909E8E84-426E-40dd-AFC4-6F175D3DCCD1}">
-              <a14:hiddenFill xmlns="" xmlns:a14="http://schemas.microsoft.com/office/drawing/2010/main">
+              <a14:hiddenFill xmlns:a14="http://schemas.microsoft.com/office/drawing/2010/main" xmlns="">
                 <a:solidFill>
                   <a:srgbClr val="FFFFFF"/>
                 </a:solidFill>
@@ -1881,14 +1958,14 @@
           <a:noFill/>
           <a:extLst>
             <a:ext uri="{909E8E84-426E-40dd-AFC4-6F175D3DCCD1}">
-              <a14:hiddenFill xmlns="" xmlns:a14="http://schemas.microsoft.com/office/drawing/2010/main">
+              <a14:hiddenFill xmlns:a14="http://schemas.microsoft.com/office/drawing/2010/main" xmlns="">
                 <a:solidFill>
                   <a:srgbClr val="FFFFFF"/>
                 </a:solidFill>
               </a14:hiddenFill>
             </a:ext>
             <a:ext uri="{91240B29-F687-4f45-9708-019B960494DF}">
-              <a14:hiddenLine xmlns="" xmlns:a14="http://schemas.microsoft.com/office/drawing/2010/main" w="9525">
+              <a14:hiddenLine xmlns:a14="http://schemas.microsoft.com/office/drawing/2010/main" xmlns="" w="9525">
                 <a:solidFill>
                   <a:srgbClr val="000000"/>
                 </a:solidFill>
@@ -2104,7 +2181,7 @@
           </a:ln>
           <a:extLst>
             <a:ext uri="{909E8E84-426E-40dd-AFC4-6F175D3DCCD1}">
-              <a14:hiddenFill xmlns="" xmlns:a14="http://schemas.microsoft.com/office/drawing/2010/main">
+              <a14:hiddenFill xmlns:a14="http://schemas.microsoft.com/office/drawing/2010/main" xmlns="">
                 <a:solidFill>
                   <a:srgbClr val="FFFFFF"/>
                 </a:solidFill>
@@ -2127,14 +2204,14 @@
           <a:noFill/>
           <a:extLst>
             <a:ext uri="{909E8E84-426E-40dd-AFC4-6F175D3DCCD1}">
-              <a14:hiddenFill xmlns="" xmlns:a14="http://schemas.microsoft.com/office/drawing/2010/main">
+              <a14:hiddenFill xmlns:a14="http://schemas.microsoft.com/office/drawing/2010/main" xmlns="">
                 <a:solidFill>
                   <a:srgbClr val="FFFFFF"/>
                 </a:solidFill>
               </a14:hiddenFill>
             </a:ext>
             <a:ext uri="{91240B29-F687-4f45-9708-019B960494DF}">
-              <a14:hiddenLine xmlns="" xmlns:a14="http://schemas.microsoft.com/office/drawing/2010/main" w="9525">
+              <a14:hiddenLine xmlns:a14="http://schemas.microsoft.com/office/drawing/2010/main" xmlns="" w="9525">
                 <a:solidFill>
                   <a:srgbClr val="000000"/>
                 </a:solidFill>
@@ -2152,6 +2229,13 @@
             </a:prstTxWarp>
           </a:bodyPr>
           <a:lstStyle/>
+          <a:p>
+            <a:r>
+              <a:rPr lang="zh-CN" altLang="en-US" dirty="0"/>
+              <a:t>加入节点：该节点路由到每个节点时，都往自己的路由表中添加一行；</a:t>
+            </a:r>
+            <a:endParaRPr lang="en-US" altLang="zh-CN" dirty="0"/>
+          </a:p>
           <a:p>
             <a:endParaRPr lang="zh-CN" altLang="en-US" dirty="0"/>
           </a:p>
@@ -2350,7 +2434,7 @@
           </a:ln>
           <a:extLst>
             <a:ext uri="{909E8E84-426E-40dd-AFC4-6F175D3DCCD1}">
-              <a14:hiddenFill xmlns="" xmlns:a14="http://schemas.microsoft.com/office/drawing/2010/main">
+              <a14:hiddenFill xmlns:a14="http://schemas.microsoft.com/office/drawing/2010/main" xmlns="">
                 <a:solidFill>
                   <a:srgbClr val="FFFFFF"/>
                 </a:solidFill>
@@ -2373,14 +2457,14 @@
           <a:noFill/>
           <a:extLst>
             <a:ext uri="{909E8E84-426E-40dd-AFC4-6F175D3DCCD1}">
-              <a14:hiddenFill xmlns="" xmlns:a14="http://schemas.microsoft.com/office/drawing/2010/main">
+              <a14:hiddenFill xmlns:a14="http://schemas.microsoft.com/office/drawing/2010/main" xmlns="">
                 <a:solidFill>
                   <a:srgbClr val="FFFFFF"/>
                 </a:solidFill>
               </a14:hiddenFill>
             </a:ext>
             <a:ext uri="{91240B29-F687-4f45-9708-019B960494DF}">
-              <a14:hiddenLine xmlns="" xmlns:a14="http://schemas.microsoft.com/office/drawing/2010/main" w="9525">
+              <a14:hiddenLine xmlns:a14="http://schemas.microsoft.com/office/drawing/2010/main" xmlns="" w="9525">
                 <a:solidFill>
                   <a:srgbClr val="000000"/>
                 </a:solidFill>
@@ -2596,7 +2680,7 @@
           </a:ln>
           <a:extLst>
             <a:ext uri="{909E8E84-426E-40dd-AFC4-6F175D3DCCD1}">
-              <a14:hiddenFill xmlns="" xmlns:a14="http://schemas.microsoft.com/office/drawing/2010/main">
+              <a14:hiddenFill xmlns:a14="http://schemas.microsoft.com/office/drawing/2010/main" xmlns="">
                 <a:solidFill>
                   <a:srgbClr val="FFFFFF"/>
                 </a:solidFill>
@@ -2619,14 +2703,14 @@
           <a:noFill/>
           <a:extLst>
             <a:ext uri="{909E8E84-426E-40dd-AFC4-6F175D3DCCD1}">
-              <a14:hiddenFill xmlns="" xmlns:a14="http://schemas.microsoft.com/office/drawing/2010/main">
+              <a14:hiddenFill xmlns:a14="http://schemas.microsoft.com/office/drawing/2010/main" xmlns="">
                 <a:solidFill>
                   <a:srgbClr val="FFFFFF"/>
                 </a:solidFill>
               </a14:hiddenFill>
             </a:ext>
             <a:ext uri="{91240B29-F687-4f45-9708-019B960494DF}">
-              <a14:hiddenLine xmlns="" xmlns:a14="http://schemas.microsoft.com/office/drawing/2010/main" w="9525">
+              <a14:hiddenLine xmlns:a14="http://schemas.microsoft.com/office/drawing/2010/main" xmlns="" w="9525">
                 <a:solidFill>
                   <a:srgbClr val="000000"/>
                 </a:solidFill>
@@ -2645,7 +2729,10 @@
           </a:bodyPr>
           <a:lstStyle/>
           <a:p>
-            <a:endParaRPr lang="zh-CN" altLang="en-US" dirty="0"/>
+            <a:r>
+              <a:rPr lang="zh-CN" altLang="en-US" dirty="0"/>
+              <a:t>每一行的表项具有相同的前缀，但是这些表项不一定是亲兄弟；</a:t>
+            </a:r>
           </a:p>
         </p:txBody>
       </p:sp>
@@ -2842,7 +2929,7 @@
           </a:ln>
           <a:extLst>
             <a:ext uri="{909E8E84-426E-40dd-AFC4-6F175D3DCCD1}">
-              <a14:hiddenFill xmlns="" xmlns:a14="http://schemas.microsoft.com/office/drawing/2010/main">
+              <a14:hiddenFill xmlns:a14="http://schemas.microsoft.com/office/drawing/2010/main" xmlns="">
                 <a:solidFill>
                   <a:srgbClr val="FFFFFF"/>
                 </a:solidFill>
@@ -2865,14 +2952,14 @@
           <a:noFill/>
           <a:extLst>
             <a:ext uri="{909E8E84-426E-40dd-AFC4-6F175D3DCCD1}">
-              <a14:hiddenFill xmlns="" xmlns:a14="http://schemas.microsoft.com/office/drawing/2010/main">
+              <a14:hiddenFill xmlns:a14="http://schemas.microsoft.com/office/drawing/2010/main" xmlns="">
                 <a:solidFill>
                   <a:srgbClr val="FFFFFF"/>
                 </a:solidFill>
               </a14:hiddenFill>
             </a:ext>
             <a:ext uri="{91240B29-F687-4f45-9708-019B960494DF}">
-              <a14:hiddenLine xmlns="" xmlns:a14="http://schemas.microsoft.com/office/drawing/2010/main" w="9525">
+              <a14:hiddenLine xmlns:a14="http://schemas.microsoft.com/office/drawing/2010/main" xmlns="" w="9525">
                 <a:solidFill>
                   <a:srgbClr val="000000"/>
                 </a:solidFill>
@@ -3088,7 +3175,7 @@
           </a:ln>
           <a:extLst>
             <a:ext uri="{909E8E84-426E-40dd-AFC4-6F175D3DCCD1}">
-              <a14:hiddenFill xmlns="" xmlns:a14="http://schemas.microsoft.com/office/drawing/2010/main">
+              <a14:hiddenFill xmlns:a14="http://schemas.microsoft.com/office/drawing/2010/main" xmlns="">
                 <a:solidFill>
                   <a:srgbClr val="FFFFFF"/>
                 </a:solidFill>
@@ -3111,14 +3198,14 @@
           <a:noFill/>
           <a:extLst>
             <a:ext uri="{909E8E84-426E-40dd-AFC4-6F175D3DCCD1}">
-              <a14:hiddenFill xmlns="" xmlns:a14="http://schemas.microsoft.com/office/drawing/2010/main">
+              <a14:hiddenFill xmlns:a14="http://schemas.microsoft.com/office/drawing/2010/main" xmlns="">
                 <a:solidFill>
                   <a:srgbClr val="FFFFFF"/>
                 </a:solidFill>
               </a14:hiddenFill>
             </a:ext>
             <a:ext uri="{91240B29-F687-4f45-9708-019B960494DF}">
-              <a14:hiddenLine xmlns="" xmlns:a14="http://schemas.microsoft.com/office/drawing/2010/main" w="9525">
+              <a14:hiddenLine xmlns:a14="http://schemas.microsoft.com/office/drawing/2010/main" xmlns="" w="9525">
                 <a:solidFill>
                   <a:srgbClr val="000000"/>
                 </a:solidFill>
@@ -3334,7 +3421,7 @@
           </a:ln>
           <a:extLst>
             <a:ext uri="{909E8E84-426E-40dd-AFC4-6F175D3DCCD1}">
-              <a14:hiddenFill xmlns="" xmlns:a14="http://schemas.microsoft.com/office/drawing/2010/main">
+              <a14:hiddenFill xmlns:a14="http://schemas.microsoft.com/office/drawing/2010/main" xmlns="">
                 <a:solidFill>
                   <a:srgbClr val="FFFFFF"/>
                 </a:solidFill>
@@ -3357,14 +3444,14 @@
           <a:noFill/>
           <a:extLst>
             <a:ext uri="{909E8E84-426E-40dd-AFC4-6F175D3DCCD1}">
-              <a14:hiddenFill xmlns="" xmlns:a14="http://schemas.microsoft.com/office/drawing/2010/main">
+              <a14:hiddenFill xmlns:a14="http://schemas.microsoft.com/office/drawing/2010/main" xmlns="">
                 <a:solidFill>
                   <a:srgbClr val="FFFFFF"/>
                 </a:solidFill>
               </a14:hiddenFill>
             </a:ext>
             <a:ext uri="{91240B29-F687-4f45-9708-019B960494DF}">
-              <a14:hiddenLine xmlns="" xmlns:a14="http://schemas.microsoft.com/office/drawing/2010/main" w="9525">
+              <a14:hiddenLine xmlns:a14="http://schemas.microsoft.com/office/drawing/2010/main" xmlns="" w="9525">
                 <a:solidFill>
                   <a:srgbClr val="000000"/>
                 </a:solidFill>
@@ -3580,7 +3667,7 @@
           </a:ln>
           <a:extLst>
             <a:ext uri="{909E8E84-426E-40dd-AFC4-6F175D3DCCD1}">
-              <a14:hiddenFill xmlns="" xmlns:a14="http://schemas.microsoft.com/office/drawing/2010/main">
+              <a14:hiddenFill xmlns:a14="http://schemas.microsoft.com/office/drawing/2010/main" xmlns="">
                 <a:solidFill>
                   <a:srgbClr val="FFFFFF"/>
                 </a:solidFill>
@@ -3603,14 +3690,14 @@
           <a:noFill/>
           <a:extLst>
             <a:ext uri="{909E8E84-426E-40dd-AFC4-6F175D3DCCD1}">
-              <a14:hiddenFill xmlns="" xmlns:a14="http://schemas.microsoft.com/office/drawing/2010/main">
+              <a14:hiddenFill xmlns:a14="http://schemas.microsoft.com/office/drawing/2010/main" xmlns="">
                 <a:solidFill>
                   <a:srgbClr val="FFFFFF"/>
                 </a:solidFill>
               </a14:hiddenFill>
             </a:ext>
             <a:ext uri="{91240B29-F687-4f45-9708-019B960494DF}">
-              <a14:hiddenLine xmlns="" xmlns:a14="http://schemas.microsoft.com/office/drawing/2010/main" w="9525">
+              <a14:hiddenLine xmlns:a14="http://schemas.microsoft.com/office/drawing/2010/main" xmlns="" w="9525">
                 <a:solidFill>
                   <a:srgbClr val="000000"/>
                 </a:solidFill>
@@ -3826,7 +3913,7 @@
           </a:ln>
           <a:extLst>
             <a:ext uri="{909E8E84-426E-40dd-AFC4-6F175D3DCCD1}">
-              <a14:hiddenFill xmlns="" xmlns:a14="http://schemas.microsoft.com/office/drawing/2010/main">
+              <a14:hiddenFill xmlns:a14="http://schemas.microsoft.com/office/drawing/2010/main" xmlns="">
                 <a:solidFill>
                   <a:srgbClr val="FFFFFF"/>
                 </a:solidFill>
@@ -3849,14 +3936,14 @@
           <a:noFill/>
           <a:extLst>
             <a:ext uri="{909E8E84-426E-40dd-AFC4-6F175D3DCCD1}">
-              <a14:hiddenFill xmlns="" xmlns:a14="http://schemas.microsoft.com/office/drawing/2010/main">
+              <a14:hiddenFill xmlns:a14="http://schemas.microsoft.com/office/drawing/2010/main" xmlns="">
                 <a:solidFill>
                   <a:srgbClr val="FFFFFF"/>
                 </a:solidFill>
               </a14:hiddenFill>
             </a:ext>
             <a:ext uri="{91240B29-F687-4f45-9708-019B960494DF}">
-              <a14:hiddenLine xmlns="" xmlns:a14="http://schemas.microsoft.com/office/drawing/2010/main" w="9525">
+              <a14:hiddenLine xmlns:a14="http://schemas.microsoft.com/office/drawing/2010/main" xmlns="" w="9525">
                 <a:solidFill>
                   <a:srgbClr val="000000"/>
                 </a:solidFill>
@@ -3875,6 +3962,154 @@
           </a:bodyPr>
           <a:lstStyle/>
           <a:p>
+            <a:r>
+              <a:rPr lang="zh-CN" altLang="en-US" dirty="0"/>
+              <a:t>数据</a:t>
+            </a:r>
+            <a:r>
+              <a:rPr lang="en-US" altLang="zh-CN" dirty="0"/>
+              <a:t>A</a:t>
+            </a:r>
+            <a:r>
+              <a:rPr lang="zh-CN" altLang="en-US" dirty="0"/>
+              <a:t>存放在服务器节点</a:t>
+            </a:r>
+            <a:r>
+              <a:rPr lang="en-US" altLang="zh-CN" dirty="0"/>
+              <a:t>B</a:t>
+            </a:r>
+            <a:r>
+              <a:rPr lang="zh-CN" altLang="en-US" dirty="0"/>
+              <a:t>上，但是其实该数据</a:t>
+            </a:r>
+            <a:r>
+              <a:rPr lang="en-US" altLang="zh-CN" dirty="0"/>
+              <a:t>ID</a:t>
+            </a:r>
+            <a:r>
+              <a:rPr lang="zh-CN" altLang="en-US" dirty="0"/>
+              <a:t>和服务器节点</a:t>
+            </a:r>
+            <a:r>
+              <a:rPr lang="en-US" altLang="zh-CN" dirty="0"/>
+              <a:t>C</a:t>
+            </a:r>
+            <a:r>
+              <a:rPr lang="zh-CN" altLang="en-US" dirty="0"/>
+              <a:t>的</a:t>
+            </a:r>
+            <a:r>
+              <a:rPr lang="en-US" altLang="zh-CN" dirty="0"/>
+              <a:t>ID</a:t>
+            </a:r>
+            <a:r>
+              <a:rPr lang="zh-CN" altLang="en-US" dirty="0"/>
+              <a:t>最像，所以数据</a:t>
+            </a:r>
+            <a:r>
+              <a:rPr lang="en-US" altLang="zh-CN" dirty="0"/>
+              <a:t>A</a:t>
+            </a:r>
+            <a:r>
+              <a:rPr lang="zh-CN" altLang="en-US" dirty="0"/>
+              <a:t>更应该放在节点</a:t>
+            </a:r>
+            <a:r>
+              <a:rPr lang="en-US" altLang="zh-CN" dirty="0"/>
+              <a:t>C</a:t>
+            </a:r>
+            <a:r>
+              <a:rPr lang="zh-CN" altLang="en-US" dirty="0"/>
+              <a:t>上</a:t>
+            </a:r>
+            <a:r>
+              <a:rPr lang="en-US" altLang="zh-CN" dirty="0"/>
+              <a:t>(</a:t>
+            </a:r>
+            <a:r>
+              <a:rPr lang="zh-CN" altLang="en-US" dirty="0"/>
+              <a:t>查的时候会方便很多），所以我们需要把数据</a:t>
+            </a:r>
+            <a:r>
+              <a:rPr lang="en-US" altLang="zh-CN" dirty="0"/>
+              <a:t>A</a:t>
+            </a:r>
+            <a:r>
+              <a:rPr lang="zh-CN" altLang="en-US" dirty="0"/>
+              <a:t>挪到节点</a:t>
+            </a:r>
+            <a:r>
+              <a:rPr lang="en-US" altLang="zh-CN" dirty="0"/>
+              <a:t>C</a:t>
+            </a:r>
+            <a:r>
+              <a:rPr lang="zh-CN" altLang="en-US" dirty="0"/>
+              <a:t>上，但是在服务器节点之间拷贝、转移数据的成本比较大，所以数据</a:t>
+            </a:r>
+            <a:r>
+              <a:rPr lang="en-US" altLang="zh-CN" dirty="0"/>
+              <a:t>A</a:t>
+            </a:r>
+            <a:r>
+              <a:rPr lang="zh-CN" altLang="en-US" dirty="0"/>
+              <a:t>仍旧放在节点</a:t>
+            </a:r>
+            <a:r>
+              <a:rPr lang="en-US" altLang="zh-CN" dirty="0"/>
+              <a:t>B</a:t>
+            </a:r>
+            <a:r>
+              <a:rPr lang="zh-CN" altLang="en-US" dirty="0"/>
+              <a:t>上，但是节点</a:t>
+            </a:r>
+            <a:r>
+              <a:rPr lang="en-US" altLang="zh-CN" dirty="0"/>
+              <a:t>C</a:t>
+            </a:r>
+            <a:r>
+              <a:rPr lang="zh-CN" altLang="en-US" dirty="0"/>
+              <a:t>会存放指到节点</a:t>
+            </a:r>
+            <a:r>
+              <a:rPr lang="en-US" altLang="zh-CN" dirty="0"/>
+              <a:t>B</a:t>
+            </a:r>
+            <a:r>
+              <a:rPr lang="zh-CN" altLang="en-US" dirty="0"/>
+              <a:t>的指针，当查找数据</a:t>
+            </a:r>
+            <a:r>
+              <a:rPr lang="en-US" altLang="zh-CN" dirty="0"/>
+              <a:t>A</a:t>
+            </a:r>
+            <a:r>
+              <a:rPr lang="zh-CN" altLang="en-US" dirty="0"/>
+              <a:t>路由到节点</a:t>
+            </a:r>
+            <a:r>
+              <a:rPr lang="en-US" altLang="zh-CN" dirty="0"/>
+              <a:t>C</a:t>
+            </a:r>
+            <a:r>
+              <a:rPr lang="zh-CN" altLang="en-US" dirty="0"/>
+              <a:t>时，</a:t>
+            </a:r>
+            <a:r>
+              <a:rPr lang="en-US" altLang="zh-CN" dirty="0"/>
+              <a:t>C</a:t>
+            </a:r>
+            <a:r>
+              <a:rPr lang="zh-CN" altLang="en-US" dirty="0"/>
+              <a:t>上的指针可以将查询路由到节点</a:t>
+            </a:r>
+            <a:r>
+              <a:rPr lang="en-US" altLang="zh-CN" dirty="0"/>
+              <a:t>B</a:t>
+            </a:r>
+            <a:r>
+              <a:rPr lang="zh-CN" altLang="en-US"/>
+              <a:t>。</a:t>
+            </a:r>
             <a:endParaRPr lang="zh-CN" altLang="en-US" dirty="0"/>
           </a:p>
         </p:txBody>
@@ -4072,7 +4307,7 @@
           </a:ln>
           <a:extLst>
             <a:ext uri="{909E8E84-426E-40dd-AFC4-6F175D3DCCD1}">
-              <a14:hiddenFill xmlns="" xmlns:a14="http://schemas.microsoft.com/office/drawing/2010/main">
+              <a14:hiddenFill xmlns:a14="http://schemas.microsoft.com/office/drawing/2010/main" xmlns="">
                 <a:solidFill>
                   <a:srgbClr val="FFFFFF"/>
                 </a:solidFill>
@@ -4095,14 +4330,14 @@
           <a:noFill/>
           <a:extLst>
             <a:ext uri="{909E8E84-426E-40dd-AFC4-6F175D3DCCD1}">
-              <a14:hiddenFill xmlns="" xmlns:a14="http://schemas.microsoft.com/office/drawing/2010/main">
+              <a14:hiddenFill xmlns:a14="http://schemas.microsoft.com/office/drawing/2010/main" xmlns="">
                 <a:solidFill>
                   <a:srgbClr val="FFFFFF"/>
                 </a:solidFill>
               </a14:hiddenFill>
             </a:ext>
             <a:ext uri="{91240B29-F687-4f45-9708-019B960494DF}">
-              <a14:hiddenLine xmlns="" xmlns:a14="http://schemas.microsoft.com/office/drawing/2010/main" w="9525">
+              <a14:hiddenLine xmlns:a14="http://schemas.microsoft.com/office/drawing/2010/main" xmlns="" w="9525">
                 <a:solidFill>
                   <a:srgbClr val="000000"/>
                 </a:solidFill>
@@ -4318,7 +4553,7 @@
           </a:ln>
           <a:extLst>
             <a:ext uri="{909E8E84-426E-40dd-AFC4-6F175D3DCCD1}">
-              <a14:hiddenFill xmlns="" xmlns:a14="http://schemas.microsoft.com/office/drawing/2010/main">
+              <a14:hiddenFill xmlns:a14="http://schemas.microsoft.com/office/drawing/2010/main" xmlns="">
                 <a:solidFill>
                   <a:srgbClr val="FFFFFF"/>
                 </a:solidFill>
@@ -4341,14 +4576,14 @@
           <a:noFill/>
           <a:extLst>
             <a:ext uri="{909E8E84-426E-40dd-AFC4-6F175D3DCCD1}">
-              <a14:hiddenFill xmlns="" xmlns:a14="http://schemas.microsoft.com/office/drawing/2010/main">
+              <a14:hiddenFill xmlns:a14="http://schemas.microsoft.com/office/drawing/2010/main" xmlns="">
                 <a:solidFill>
                   <a:srgbClr val="FFFFFF"/>
                 </a:solidFill>
               </a14:hiddenFill>
             </a:ext>
             <a:ext uri="{91240B29-F687-4f45-9708-019B960494DF}">
-              <a14:hiddenLine xmlns="" xmlns:a14="http://schemas.microsoft.com/office/drawing/2010/main" w="9525">
+              <a14:hiddenLine xmlns:a14="http://schemas.microsoft.com/office/drawing/2010/main" xmlns="" w="9525">
                 <a:solidFill>
                   <a:srgbClr val="000000"/>
                 </a:solidFill>
@@ -4564,7 +4799,7 @@
           </a:ln>
           <a:extLst>
             <a:ext uri="{909E8E84-426E-40dd-AFC4-6F175D3DCCD1}">
-              <a14:hiddenFill xmlns="" xmlns:a14="http://schemas.microsoft.com/office/drawing/2010/main">
+              <a14:hiddenFill xmlns:a14="http://schemas.microsoft.com/office/drawing/2010/main" xmlns="">
                 <a:solidFill>
                   <a:srgbClr val="FFFFFF"/>
                 </a:solidFill>
@@ -4587,14 +4822,14 @@
           <a:noFill/>
           <a:extLst>
             <a:ext uri="{909E8E84-426E-40dd-AFC4-6F175D3DCCD1}">
-              <a14:hiddenFill xmlns="" xmlns:a14="http://schemas.microsoft.com/office/drawing/2010/main">
+              <a14:hiddenFill xmlns:a14="http://schemas.microsoft.com/office/drawing/2010/main" xmlns="">
                 <a:solidFill>
                   <a:srgbClr val="FFFFFF"/>
                 </a:solidFill>
               </a14:hiddenFill>
             </a:ext>
             <a:ext uri="{91240B29-F687-4f45-9708-019B960494DF}">
-              <a14:hiddenLine xmlns="" xmlns:a14="http://schemas.microsoft.com/office/drawing/2010/main" w="9525">
+              <a14:hiddenLine xmlns:a14="http://schemas.microsoft.com/office/drawing/2010/main" xmlns="" w="9525">
                 <a:solidFill>
                   <a:srgbClr val="000000"/>
                 </a:solidFill>
@@ -4810,7 +5045,7 @@
           </a:ln>
           <a:extLst>
             <a:ext uri="{909E8E84-426E-40dd-AFC4-6F175D3DCCD1}">
-              <a14:hiddenFill xmlns="" xmlns:a14="http://schemas.microsoft.com/office/drawing/2010/main">
+              <a14:hiddenFill xmlns:a14="http://schemas.microsoft.com/office/drawing/2010/main" xmlns="">
                 <a:solidFill>
                   <a:srgbClr val="FFFFFF"/>
                 </a:solidFill>
@@ -4833,14 +5068,14 @@
           <a:noFill/>
           <a:extLst>
             <a:ext uri="{909E8E84-426E-40dd-AFC4-6F175D3DCCD1}">
-              <a14:hiddenFill xmlns="" xmlns:a14="http://schemas.microsoft.com/office/drawing/2010/main">
+              <a14:hiddenFill xmlns:a14="http://schemas.microsoft.com/office/drawing/2010/main" xmlns="">
                 <a:solidFill>
                   <a:srgbClr val="FFFFFF"/>
                 </a:solidFill>
               </a14:hiddenFill>
             </a:ext>
             <a:ext uri="{91240B29-F687-4f45-9708-019B960494DF}">
-              <a14:hiddenLine xmlns="" xmlns:a14="http://schemas.microsoft.com/office/drawing/2010/main" w="9525">
+              <a14:hiddenLine xmlns:a14="http://schemas.microsoft.com/office/drawing/2010/main" xmlns="" w="9525">
                 <a:solidFill>
                   <a:srgbClr val="000000"/>
                 </a:solidFill>
@@ -5056,7 +5291,7 @@
           </a:ln>
           <a:extLst>
             <a:ext uri="{909E8E84-426E-40dd-AFC4-6F175D3DCCD1}">
-              <a14:hiddenFill xmlns="" xmlns:a14="http://schemas.microsoft.com/office/drawing/2010/main">
+              <a14:hiddenFill xmlns:a14="http://schemas.microsoft.com/office/drawing/2010/main" xmlns="">
                 <a:solidFill>
                   <a:srgbClr val="FFFFFF"/>
                 </a:solidFill>
@@ -5079,14 +5314,14 @@
           <a:noFill/>
           <a:extLst>
             <a:ext uri="{909E8E84-426E-40dd-AFC4-6F175D3DCCD1}">
-              <a14:hiddenFill xmlns="" xmlns:a14="http://schemas.microsoft.com/office/drawing/2010/main">
+              <a14:hiddenFill xmlns:a14="http://schemas.microsoft.com/office/drawing/2010/main" xmlns="">
                 <a:solidFill>
                   <a:srgbClr val="FFFFFF"/>
                 </a:solidFill>
               </a14:hiddenFill>
             </a:ext>
             <a:ext uri="{91240B29-F687-4f45-9708-019B960494DF}">
-              <a14:hiddenLine xmlns="" xmlns:a14="http://schemas.microsoft.com/office/drawing/2010/main" w="9525">
+              <a14:hiddenLine xmlns:a14="http://schemas.microsoft.com/office/drawing/2010/main" xmlns="" w="9525">
                 <a:solidFill>
                   <a:srgbClr val="000000"/>
                 </a:solidFill>
@@ -5302,7 +5537,7 @@
           </a:ln>
           <a:extLst>
             <a:ext uri="{909E8E84-426E-40dd-AFC4-6F175D3DCCD1}">
-              <a14:hiddenFill xmlns="" xmlns:a14="http://schemas.microsoft.com/office/drawing/2010/main">
+              <a14:hiddenFill xmlns:a14="http://schemas.microsoft.com/office/drawing/2010/main" xmlns="">
                 <a:solidFill>
                   <a:srgbClr val="FFFFFF"/>
                 </a:solidFill>
@@ -5325,14 +5560,14 @@
           <a:noFill/>
           <a:extLst>
             <a:ext uri="{909E8E84-426E-40dd-AFC4-6F175D3DCCD1}">
-              <a14:hiddenFill xmlns="" xmlns:a14="http://schemas.microsoft.com/office/drawing/2010/main">
+              <a14:hiddenFill xmlns:a14="http://schemas.microsoft.com/office/drawing/2010/main" xmlns="">
                 <a:solidFill>
                   <a:srgbClr val="FFFFFF"/>
                 </a:solidFill>
               </a14:hiddenFill>
             </a:ext>
             <a:ext uri="{91240B29-F687-4f45-9708-019B960494DF}">
-              <a14:hiddenLine xmlns="" xmlns:a14="http://schemas.microsoft.com/office/drawing/2010/main" w="9525">
+              <a14:hiddenLine xmlns:a14="http://schemas.microsoft.com/office/drawing/2010/main" xmlns="" w="9525">
                 <a:solidFill>
                   <a:srgbClr val="000000"/>
                 </a:solidFill>
@@ -5551,7 +5786,7 @@
           </a:ln>
           <a:extLst>
             <a:ext uri="{909E8E84-426E-40dd-AFC4-6F175D3DCCD1}">
-              <a14:hiddenFill xmlns="" xmlns:a14="http://schemas.microsoft.com/office/drawing/2010/main">
+              <a14:hiddenFill xmlns:a14="http://schemas.microsoft.com/office/drawing/2010/main" xmlns="">
                 <a:solidFill>
                   <a:srgbClr val="FFFFFF"/>
                 </a:solidFill>
@@ -5574,14 +5809,14 @@
           <a:noFill/>
           <a:extLst>
             <a:ext uri="{909E8E84-426E-40dd-AFC4-6F175D3DCCD1}">
-              <a14:hiddenFill xmlns="" xmlns:a14="http://schemas.microsoft.com/office/drawing/2010/main">
+              <a14:hiddenFill xmlns:a14="http://schemas.microsoft.com/office/drawing/2010/main" xmlns="">
                 <a:solidFill>
                   <a:srgbClr val="FFFFFF"/>
                 </a:solidFill>
               </a14:hiddenFill>
             </a:ext>
             <a:ext uri="{91240B29-F687-4f45-9708-019B960494DF}">
-              <a14:hiddenLine xmlns="" xmlns:a14="http://schemas.microsoft.com/office/drawing/2010/main" w="9525">
+              <a14:hiddenLine xmlns:a14="http://schemas.microsoft.com/office/drawing/2010/main" xmlns="" w="9525">
                 <a:solidFill>
                   <a:srgbClr val="000000"/>
                 </a:solidFill>
@@ -5797,7 +6032,7 @@
           </a:ln>
           <a:extLst>
             <a:ext uri="{909E8E84-426E-40dd-AFC4-6F175D3DCCD1}">
-              <a14:hiddenFill xmlns="" xmlns:a14="http://schemas.microsoft.com/office/drawing/2010/main">
+              <a14:hiddenFill xmlns:a14="http://schemas.microsoft.com/office/drawing/2010/main" xmlns="">
                 <a:solidFill>
                   <a:srgbClr val="FFFFFF"/>
                 </a:solidFill>
@@ -5820,14 +6055,14 @@
           <a:noFill/>
           <a:extLst>
             <a:ext uri="{909E8E84-426E-40dd-AFC4-6F175D3DCCD1}">
-              <a14:hiddenFill xmlns="" xmlns:a14="http://schemas.microsoft.com/office/drawing/2010/main">
+              <a14:hiddenFill xmlns:a14="http://schemas.microsoft.com/office/drawing/2010/main" xmlns="">
                 <a:solidFill>
                   <a:srgbClr val="FFFFFF"/>
                 </a:solidFill>
               </a14:hiddenFill>
             </a:ext>
             <a:ext uri="{91240B29-F687-4f45-9708-019B960494DF}">
-              <a14:hiddenLine xmlns="" xmlns:a14="http://schemas.microsoft.com/office/drawing/2010/main" w="9525">
+              <a14:hiddenLine xmlns:a14="http://schemas.microsoft.com/office/drawing/2010/main" xmlns="" w="9525">
                 <a:solidFill>
                   <a:srgbClr val="000000"/>
                 </a:solidFill>
@@ -6043,7 +6278,7 @@
           </a:ln>
           <a:extLst>
             <a:ext uri="{909E8E84-426E-40dd-AFC4-6F175D3DCCD1}">
-              <a14:hiddenFill xmlns="" xmlns:a14="http://schemas.microsoft.com/office/drawing/2010/main">
+              <a14:hiddenFill xmlns:a14="http://schemas.microsoft.com/office/drawing/2010/main" xmlns="">
                 <a:solidFill>
                   <a:srgbClr val="FFFFFF"/>
                 </a:solidFill>
@@ -6066,14 +6301,14 @@
           <a:noFill/>
           <a:extLst>
             <a:ext uri="{909E8E84-426E-40dd-AFC4-6F175D3DCCD1}">
-              <a14:hiddenFill xmlns="" xmlns:a14="http://schemas.microsoft.com/office/drawing/2010/main">
+              <a14:hiddenFill xmlns:a14="http://schemas.microsoft.com/office/drawing/2010/main" xmlns="">
                 <a:solidFill>
                   <a:srgbClr val="FFFFFF"/>
                 </a:solidFill>
               </a14:hiddenFill>
             </a:ext>
             <a:ext uri="{91240B29-F687-4f45-9708-019B960494DF}">
-              <a14:hiddenLine xmlns="" xmlns:a14="http://schemas.microsoft.com/office/drawing/2010/main" w="9525">
+              <a14:hiddenLine xmlns:a14="http://schemas.microsoft.com/office/drawing/2010/main" xmlns="" w="9525">
                 <a:solidFill>
                   <a:srgbClr val="000000"/>
                 </a:solidFill>
@@ -6289,7 +6524,7 @@
           </a:ln>
           <a:extLst>
             <a:ext uri="{909E8E84-426E-40dd-AFC4-6F175D3DCCD1}">
-              <a14:hiddenFill xmlns="" xmlns:a14="http://schemas.microsoft.com/office/drawing/2010/main">
+              <a14:hiddenFill xmlns:a14="http://schemas.microsoft.com/office/drawing/2010/main" xmlns="">
                 <a:solidFill>
                   <a:srgbClr val="FFFFFF"/>
                 </a:solidFill>
@@ -6312,14 +6547,14 @@
           <a:noFill/>
           <a:extLst>
             <a:ext uri="{909E8E84-426E-40dd-AFC4-6F175D3DCCD1}">
-              <a14:hiddenFill xmlns="" xmlns:a14="http://schemas.microsoft.com/office/drawing/2010/main">
+              <a14:hiddenFill xmlns:a14="http://schemas.microsoft.com/office/drawing/2010/main" xmlns="">
                 <a:solidFill>
                   <a:srgbClr val="FFFFFF"/>
                 </a:solidFill>
               </a14:hiddenFill>
             </a:ext>
             <a:ext uri="{91240B29-F687-4f45-9708-019B960494DF}">
-              <a14:hiddenLine xmlns="" xmlns:a14="http://schemas.microsoft.com/office/drawing/2010/main" w="9525">
+              <a14:hiddenLine xmlns:a14="http://schemas.microsoft.com/office/drawing/2010/main" xmlns="" w="9525">
                 <a:solidFill>
                   <a:srgbClr val="000000"/>
                 </a:solidFill>
@@ -6535,7 +6770,7 @@
           </a:ln>
           <a:extLst>
             <a:ext uri="{909E8E84-426E-40dd-AFC4-6F175D3DCCD1}">
-              <a14:hiddenFill xmlns="" xmlns:a14="http://schemas.microsoft.com/office/drawing/2010/main">
+              <a14:hiddenFill xmlns:a14="http://schemas.microsoft.com/office/drawing/2010/main" xmlns="">
                 <a:solidFill>
                   <a:srgbClr val="FFFFFF"/>
                 </a:solidFill>
@@ -6558,14 +6793,14 @@
           <a:noFill/>
           <a:extLst>
             <a:ext uri="{909E8E84-426E-40dd-AFC4-6F175D3DCCD1}">
-              <a14:hiddenFill xmlns="" xmlns:a14="http://schemas.microsoft.com/office/drawing/2010/main">
+              <a14:hiddenFill xmlns:a14="http://schemas.microsoft.com/office/drawing/2010/main" xmlns="">
                 <a:solidFill>
                   <a:srgbClr val="FFFFFF"/>
                 </a:solidFill>
               </a14:hiddenFill>
             </a:ext>
             <a:ext uri="{91240B29-F687-4f45-9708-019B960494DF}">
-              <a14:hiddenLine xmlns="" xmlns:a14="http://schemas.microsoft.com/office/drawing/2010/main" w="9525">
+              <a14:hiddenLine xmlns:a14="http://schemas.microsoft.com/office/drawing/2010/main" xmlns="" w="9525">
                 <a:solidFill>
                   <a:srgbClr val="000000"/>
                 </a:solidFill>
@@ -6781,7 +7016,7 @@
           </a:ln>
           <a:extLst>
             <a:ext uri="{909E8E84-426E-40dd-AFC4-6F175D3DCCD1}">
-              <a14:hiddenFill xmlns="" xmlns:a14="http://schemas.microsoft.com/office/drawing/2010/main">
+              <a14:hiddenFill xmlns:a14="http://schemas.microsoft.com/office/drawing/2010/main" xmlns="">
                 <a:solidFill>
                   <a:srgbClr val="FFFFFF"/>
                 </a:solidFill>
@@ -6804,14 +7039,14 @@
           <a:noFill/>
           <a:extLst>
             <a:ext uri="{909E8E84-426E-40dd-AFC4-6F175D3DCCD1}">
-              <a14:hiddenFill xmlns="" xmlns:a14="http://schemas.microsoft.com/office/drawing/2010/main">
+              <a14:hiddenFill xmlns:a14="http://schemas.microsoft.com/office/drawing/2010/main" xmlns="">
                 <a:solidFill>
                   <a:srgbClr val="FFFFFF"/>
                 </a:solidFill>
               </a14:hiddenFill>
             </a:ext>
             <a:ext uri="{91240B29-F687-4f45-9708-019B960494DF}">
-              <a14:hiddenLine xmlns="" xmlns:a14="http://schemas.microsoft.com/office/drawing/2010/main" w="9525">
+              <a14:hiddenLine xmlns:a14="http://schemas.microsoft.com/office/drawing/2010/main" xmlns="" w="9525">
                 <a:solidFill>
                   <a:srgbClr val="000000"/>
                 </a:solidFill>
@@ -9750,14 +9985,14 @@
           </a:ln>
           <a:extLst>
             <a:ext uri="{909E8E84-426E-40dd-AFC4-6F175D3DCCD1}">
-              <a14:hiddenFill xmlns="" xmlns:a14="http://schemas.microsoft.com/office/drawing/2010/main">
+              <a14:hiddenFill xmlns:a14="http://schemas.microsoft.com/office/drawing/2010/main" xmlns="">
                 <a:solidFill>
                   <a:srgbClr val="FFFFFF"/>
                 </a:solidFill>
               </a14:hiddenFill>
             </a:ext>
             <a:ext uri="{91240B29-F687-4f45-9708-019B960494DF}">
-              <a14:hiddenLine xmlns="" xmlns:a14="http://schemas.microsoft.com/office/drawing/2010/main" w="9525">
+              <a14:hiddenLine xmlns:a14="http://schemas.microsoft.com/office/drawing/2010/main" xmlns="" w="9525">
                 <a:solidFill>
                   <a:srgbClr val="000000"/>
                 </a:solidFill>
@@ -9808,14 +10043,14 @@
           </a:ln>
           <a:extLst>
             <a:ext uri="{909E8E84-426E-40dd-AFC4-6F175D3DCCD1}">
-              <a14:hiddenFill xmlns="" xmlns:a14="http://schemas.microsoft.com/office/drawing/2010/main">
+              <a14:hiddenFill xmlns:a14="http://schemas.microsoft.com/office/drawing/2010/main" xmlns="">
                 <a:solidFill>
                   <a:srgbClr val="FFFFFF"/>
                 </a:solidFill>
               </a14:hiddenFill>
             </a:ext>
             <a:ext uri="{91240B29-F687-4f45-9708-019B960494DF}">
-              <a14:hiddenLine xmlns="" xmlns:a14="http://schemas.microsoft.com/office/drawing/2010/main" w="9525">
+              <a14:hiddenLine xmlns:a14="http://schemas.microsoft.com/office/drawing/2010/main" xmlns="" w="9525">
                 <a:solidFill>
                   <a:srgbClr val="000000"/>
                 </a:solidFill>
@@ -10463,14 +10698,14 @@
           </a:ln>
           <a:extLst>
             <a:ext uri="{909E8E84-426E-40dd-AFC4-6F175D3DCCD1}">
-              <a14:hiddenFill xmlns="" xmlns:a14="http://schemas.microsoft.com/office/drawing/2010/main">
+              <a14:hiddenFill xmlns:a14="http://schemas.microsoft.com/office/drawing/2010/main" xmlns="">
                 <a:solidFill>
                   <a:srgbClr val="FFFFFF"/>
                 </a:solidFill>
               </a14:hiddenFill>
             </a:ext>
             <a:ext uri="{91240B29-F687-4f45-9708-019B960494DF}">
-              <a14:hiddenLine xmlns="" xmlns:a14="http://schemas.microsoft.com/office/drawing/2010/main" w="9525">
+              <a14:hiddenLine xmlns:a14="http://schemas.microsoft.com/office/drawing/2010/main" xmlns="" w="9525">
                 <a:solidFill>
                   <a:srgbClr val="000000"/>
                 </a:solidFill>
@@ -10686,14 +10921,14 @@
           </a:ln>
           <a:extLst>
             <a:ext uri="{909E8E84-426E-40dd-AFC4-6F175D3DCCD1}">
-              <a14:hiddenFill xmlns="" xmlns:a14="http://schemas.microsoft.com/office/drawing/2010/main">
+              <a14:hiddenFill xmlns:a14="http://schemas.microsoft.com/office/drawing/2010/main" xmlns="">
                 <a:solidFill>
                   <a:srgbClr val="FFFFFF"/>
                 </a:solidFill>
               </a14:hiddenFill>
             </a:ext>
             <a:ext uri="{91240B29-F687-4f45-9708-019B960494DF}">
-              <a14:hiddenLine xmlns="" xmlns:a14="http://schemas.microsoft.com/office/drawing/2010/main" w="9525">
+              <a14:hiddenLine xmlns:a14="http://schemas.microsoft.com/office/drawing/2010/main" xmlns="" w="9525">
                 <a:solidFill>
                   <a:srgbClr val="000000"/>
                 </a:solidFill>
@@ -10857,14 +11092,14 @@
           </a:ln>
           <a:extLst>
             <a:ext uri="{909E8E84-426E-40dd-AFC4-6F175D3DCCD1}">
-              <a14:hiddenFill xmlns="" xmlns:a14="http://schemas.microsoft.com/office/drawing/2010/main">
+              <a14:hiddenFill xmlns:a14="http://schemas.microsoft.com/office/drawing/2010/main" xmlns="">
                 <a:solidFill>
                   <a:srgbClr val="FFFFFF"/>
                 </a:solidFill>
               </a14:hiddenFill>
             </a:ext>
             <a:ext uri="{91240B29-F687-4f45-9708-019B960494DF}">
-              <a14:hiddenLine xmlns="" xmlns:a14="http://schemas.microsoft.com/office/drawing/2010/main" w="9525">
+              <a14:hiddenLine xmlns:a14="http://schemas.microsoft.com/office/drawing/2010/main" xmlns="" w="9525">
                 <a:solidFill>
                   <a:srgbClr val="000000"/>
                 </a:solidFill>
@@ -11050,14 +11285,14 @@
           </a:ln>
           <a:extLst>
             <a:ext uri="{909E8E84-426E-40dd-AFC4-6F175D3DCCD1}">
-              <a14:hiddenFill xmlns="" xmlns:a14="http://schemas.microsoft.com/office/drawing/2010/main">
+              <a14:hiddenFill xmlns:a14="http://schemas.microsoft.com/office/drawing/2010/main" xmlns="">
                 <a:solidFill>
                   <a:srgbClr val="FFFFFF"/>
                 </a:solidFill>
               </a14:hiddenFill>
             </a:ext>
             <a:ext uri="{91240B29-F687-4f45-9708-019B960494DF}">
-              <a14:hiddenLine xmlns="" xmlns:a14="http://schemas.microsoft.com/office/drawing/2010/main" w="9525">
+              <a14:hiddenLine xmlns:a14="http://schemas.microsoft.com/office/drawing/2010/main" xmlns="" w="9525">
                 <a:solidFill>
                   <a:srgbClr val="000000"/>
                 </a:solidFill>
@@ -11104,14 +11339,14 @@
           </a:ln>
           <a:extLst>
             <a:ext uri="{909E8E84-426E-40dd-AFC4-6F175D3DCCD1}">
-              <a14:hiddenFill xmlns="" xmlns:a14="http://schemas.microsoft.com/office/drawing/2010/main">
+              <a14:hiddenFill xmlns:a14="http://schemas.microsoft.com/office/drawing/2010/main" xmlns="">
                 <a:solidFill>
                   <a:srgbClr val="FFFFFF"/>
                 </a:solidFill>
               </a14:hiddenFill>
             </a:ext>
             <a:ext uri="{91240B29-F687-4f45-9708-019B960494DF}">
-              <a14:hiddenLine xmlns="" xmlns:a14="http://schemas.microsoft.com/office/drawing/2010/main" w="9525">
+              <a14:hiddenLine xmlns:a14="http://schemas.microsoft.com/office/drawing/2010/main" xmlns="" w="9525">
                 <a:solidFill>
                   <a:srgbClr val="000000"/>
                 </a:solidFill>
@@ -11272,14 +11507,14 @@
           </a:ln>
           <a:extLst>
             <a:ext uri="{909E8E84-426E-40dd-AFC4-6F175D3DCCD1}">
-              <a14:hiddenFill xmlns="" xmlns:a14="http://schemas.microsoft.com/office/drawing/2010/main">
+              <a14:hiddenFill xmlns:a14="http://schemas.microsoft.com/office/drawing/2010/main" xmlns="">
                 <a:solidFill>
                   <a:srgbClr val="FFFFFF"/>
                 </a:solidFill>
               </a14:hiddenFill>
             </a:ext>
             <a:ext uri="{91240B29-F687-4f45-9708-019B960494DF}">
-              <a14:hiddenLine xmlns="" xmlns:a14="http://schemas.microsoft.com/office/drawing/2010/main" w="9525">
+              <a14:hiddenLine xmlns:a14="http://schemas.microsoft.com/office/drawing/2010/main" xmlns="" w="9525">
                 <a:solidFill>
                   <a:srgbClr val="000000"/>
                 </a:solidFill>
@@ -11483,14 +11718,14 @@
           <a:noFill/>
           <a:extLst>
             <a:ext uri="{909E8E84-426E-40dd-AFC4-6F175D3DCCD1}">
-              <a14:hiddenFill xmlns="" xmlns:a14="http://schemas.microsoft.com/office/drawing/2010/main">
+              <a14:hiddenFill xmlns:a14="http://schemas.microsoft.com/office/drawing/2010/main" xmlns="">
                 <a:solidFill>
                   <a:srgbClr val="FFFFFF"/>
                 </a:solidFill>
               </a14:hiddenFill>
             </a:ext>
             <a:ext uri="{91240B29-F687-4f45-9708-019B960494DF}">
-              <a14:hiddenLine xmlns="" xmlns:a14="http://schemas.microsoft.com/office/drawing/2010/main" w="9525">
+              <a14:hiddenLine xmlns:a14="http://schemas.microsoft.com/office/drawing/2010/main" xmlns="" w="9525">
                 <a:solidFill>
                   <a:srgbClr val="000000"/>
                 </a:solidFill>
@@ -11709,14 +11944,14 @@
           </a:ln>
           <a:extLst>
             <a:ext uri="{909E8E84-426E-40dd-AFC4-6F175D3DCCD1}">
-              <a14:hiddenFill xmlns="" xmlns:a14="http://schemas.microsoft.com/office/drawing/2010/main">
+              <a14:hiddenFill xmlns:a14="http://schemas.microsoft.com/office/drawing/2010/main" xmlns="">
                 <a:solidFill>
                   <a:srgbClr val="FFFFFF"/>
                 </a:solidFill>
               </a14:hiddenFill>
             </a:ext>
             <a:ext uri="{91240B29-F687-4f45-9708-019B960494DF}">
-              <a14:hiddenLine xmlns="" xmlns:a14="http://schemas.microsoft.com/office/drawing/2010/main" w="9525">
+              <a14:hiddenLine xmlns:a14="http://schemas.microsoft.com/office/drawing/2010/main" xmlns="" w="9525">
                 <a:solidFill>
                   <a:srgbClr val="000000"/>
                 </a:solidFill>
@@ -12566,14 +12801,14 @@
           </a:ln>
           <a:extLst>
             <a:ext uri="{909E8E84-426E-40dd-AFC4-6F175D3DCCD1}">
-              <a14:hiddenFill xmlns="" xmlns:a14="http://schemas.microsoft.com/office/drawing/2010/main">
+              <a14:hiddenFill xmlns:a14="http://schemas.microsoft.com/office/drawing/2010/main" xmlns="">
                 <a:solidFill>
                   <a:srgbClr val="FFFFFF"/>
                 </a:solidFill>
               </a14:hiddenFill>
             </a:ext>
             <a:ext uri="{91240B29-F687-4f45-9708-019B960494DF}">
-              <a14:hiddenLine xmlns="" xmlns:a14="http://schemas.microsoft.com/office/drawing/2010/main" w="9525">
+              <a14:hiddenLine xmlns:a14="http://schemas.microsoft.com/office/drawing/2010/main" xmlns="" w="9525">
                 <a:solidFill>
                   <a:srgbClr val="000000"/>
                 </a:solidFill>
@@ -12777,14 +13012,14 @@
           <a:noFill/>
           <a:extLst>
             <a:ext uri="{909E8E84-426E-40dd-AFC4-6F175D3DCCD1}">
-              <a14:hiddenFill xmlns="" xmlns:a14="http://schemas.microsoft.com/office/drawing/2010/main">
+              <a14:hiddenFill xmlns:a14="http://schemas.microsoft.com/office/drawing/2010/main" xmlns="">
                 <a:solidFill>
                   <a:srgbClr val="FFFFFF"/>
                 </a:solidFill>
               </a14:hiddenFill>
             </a:ext>
             <a:ext uri="{91240B29-F687-4f45-9708-019B960494DF}">
-              <a14:hiddenLine xmlns="" xmlns:a14="http://schemas.microsoft.com/office/drawing/2010/main" w="9525">
+              <a14:hiddenLine xmlns:a14="http://schemas.microsoft.com/office/drawing/2010/main" xmlns="" w="9525">
                 <a:solidFill>
                   <a:srgbClr val="000000"/>
                 </a:solidFill>
@@ -13003,14 +13238,14 @@
           </a:ln>
           <a:extLst>
             <a:ext uri="{909E8E84-426E-40dd-AFC4-6F175D3DCCD1}">
-              <a14:hiddenFill xmlns="" xmlns:a14="http://schemas.microsoft.com/office/drawing/2010/main">
+              <a14:hiddenFill xmlns:a14="http://schemas.microsoft.com/office/drawing/2010/main" xmlns="">
                 <a:solidFill>
                   <a:srgbClr val="FFFFFF"/>
                 </a:solidFill>
               </a14:hiddenFill>
             </a:ext>
             <a:ext uri="{91240B29-F687-4f45-9708-019B960494DF}">
-              <a14:hiddenLine xmlns="" xmlns:a14="http://schemas.microsoft.com/office/drawing/2010/main" w="9525">
+              <a14:hiddenLine xmlns:a14="http://schemas.microsoft.com/office/drawing/2010/main" xmlns="" w="9525">
                 <a:solidFill>
                   <a:srgbClr val="000000"/>
                 </a:solidFill>
@@ -13283,12 +13518,22 @@
             <a:r>
               <a:rPr lang="zh-CN" altLang="en-US" sz="2400" kern="0" dirty="0">
                 <a:solidFill>
-                  <a:srgbClr val="003366"/>
+                  <a:srgbClr val="FF0000"/>
                 </a:solidFill>
                 <a:latin typeface="仿宋" panose="02010609060101010101" pitchFamily="49" charset="-122"/>
                 <a:ea typeface="仿宋" panose="02010609060101010101" pitchFamily="49" charset="-122"/>
               </a:rPr>
-              <a:t>路由时总是寻找能够匹配的最大前缀，下图展示</a:t>
+              <a:t>路由时总是寻找能够匹配的最大前缀</a:t>
+            </a:r>
+            <a:r>
+              <a:rPr lang="zh-CN" altLang="en-US" sz="2400" kern="0" dirty="0">
+                <a:solidFill>
+                  <a:srgbClr val="003366"/>
+                </a:solidFill>
+                <a:latin typeface="仿宋" panose="02010609060101010101" pitchFamily="49" charset="-122"/>
+                <a:ea typeface="仿宋" panose="02010609060101010101" pitchFamily="49" charset="-122"/>
+              </a:rPr>
+              <a:t>，下图展示</a:t>
             </a:r>
             <a:r>
               <a:rPr lang="en-US" altLang="zh-CN" sz="2400" kern="0" dirty="0">
@@ -13402,14 +13647,14 @@
           </a:ln>
           <a:extLst>
             <a:ext uri="{909E8E84-426E-40dd-AFC4-6F175D3DCCD1}">
-              <a14:hiddenFill xmlns="" xmlns:a14="http://schemas.microsoft.com/office/drawing/2010/main">
+              <a14:hiddenFill xmlns:a14="http://schemas.microsoft.com/office/drawing/2010/main" xmlns="">
                 <a:solidFill>
                   <a:srgbClr val="FFFFFF"/>
                 </a:solidFill>
               </a14:hiddenFill>
             </a:ext>
             <a:ext uri="{91240B29-F687-4f45-9708-019B960494DF}">
-              <a14:hiddenLine xmlns="" xmlns:a14="http://schemas.microsoft.com/office/drawing/2010/main" w="9525">
+              <a14:hiddenLine xmlns:a14="http://schemas.microsoft.com/office/drawing/2010/main" xmlns="" w="9525">
                 <a:solidFill>
                   <a:srgbClr val="000000"/>
                 </a:solidFill>
@@ -13613,14 +13858,14 @@
           <a:noFill/>
           <a:extLst>
             <a:ext uri="{909E8E84-426E-40dd-AFC4-6F175D3DCCD1}">
-              <a14:hiddenFill xmlns="" xmlns:a14="http://schemas.microsoft.com/office/drawing/2010/main">
+              <a14:hiddenFill xmlns:a14="http://schemas.microsoft.com/office/drawing/2010/main" xmlns="">
                 <a:solidFill>
                   <a:srgbClr val="FFFFFF"/>
                 </a:solidFill>
               </a14:hiddenFill>
             </a:ext>
             <a:ext uri="{91240B29-F687-4f45-9708-019B960494DF}">
-              <a14:hiddenLine xmlns="" xmlns:a14="http://schemas.microsoft.com/office/drawing/2010/main" w="9525">
+              <a14:hiddenLine xmlns:a14="http://schemas.microsoft.com/office/drawing/2010/main" xmlns="" w="9525">
                 <a:solidFill>
                   <a:srgbClr val="000000"/>
                 </a:solidFill>
@@ -13839,14 +14084,14 @@
           </a:ln>
           <a:extLst>
             <a:ext uri="{909E8E84-426E-40dd-AFC4-6F175D3DCCD1}">
-              <a14:hiddenFill xmlns="" xmlns:a14="http://schemas.microsoft.com/office/drawing/2010/main">
+              <a14:hiddenFill xmlns:a14="http://schemas.microsoft.com/office/drawing/2010/main" xmlns="">
                 <a:solidFill>
                   <a:srgbClr val="FFFFFF"/>
                 </a:solidFill>
               </a14:hiddenFill>
             </a:ext>
             <a:ext uri="{91240B29-F687-4f45-9708-019B960494DF}">
-              <a14:hiddenLine xmlns="" xmlns:a14="http://schemas.microsoft.com/office/drawing/2010/main" w="9525">
+              <a14:hiddenLine xmlns:a14="http://schemas.microsoft.com/office/drawing/2010/main" xmlns="" w="9525">
                 <a:solidFill>
                   <a:srgbClr val="000000"/>
                 </a:solidFill>
@@ -15763,14 +16008,14 @@
           </a:ln>
           <a:extLst>
             <a:ext uri="{909E8E84-426E-40dd-AFC4-6F175D3DCCD1}">
-              <a14:hiddenFill xmlns="" xmlns:a14="http://schemas.microsoft.com/office/drawing/2010/main">
+              <a14:hiddenFill xmlns:a14="http://schemas.microsoft.com/office/drawing/2010/main" xmlns="">
                 <a:solidFill>
                   <a:srgbClr val="FFFFFF"/>
                 </a:solidFill>
               </a14:hiddenFill>
             </a:ext>
             <a:ext uri="{91240B29-F687-4f45-9708-019B960494DF}">
-              <a14:hiddenLine xmlns="" xmlns:a14="http://schemas.microsoft.com/office/drawing/2010/main" w="9525">
+              <a14:hiddenLine xmlns:a14="http://schemas.microsoft.com/office/drawing/2010/main" xmlns="" w="9525">
                 <a:solidFill>
                   <a:srgbClr val="000000"/>
                 </a:solidFill>
@@ -15974,14 +16219,14 @@
           <a:noFill/>
           <a:extLst>
             <a:ext uri="{909E8E84-426E-40dd-AFC4-6F175D3DCCD1}">
-              <a14:hiddenFill xmlns="" xmlns:a14="http://schemas.microsoft.com/office/drawing/2010/main">
+              <a14:hiddenFill xmlns:a14="http://schemas.microsoft.com/office/drawing/2010/main" xmlns="">
                 <a:solidFill>
                   <a:srgbClr val="FFFFFF"/>
                 </a:solidFill>
               </a14:hiddenFill>
             </a:ext>
             <a:ext uri="{91240B29-F687-4f45-9708-019B960494DF}">
-              <a14:hiddenLine xmlns="" xmlns:a14="http://schemas.microsoft.com/office/drawing/2010/main" w="9525">
+              <a14:hiddenLine xmlns:a14="http://schemas.microsoft.com/office/drawing/2010/main" xmlns="" w="9525">
                 <a:solidFill>
                   <a:srgbClr val="000000"/>
                 </a:solidFill>
@@ -16200,14 +16445,14 @@
           </a:ln>
           <a:extLst>
             <a:ext uri="{909E8E84-426E-40dd-AFC4-6F175D3DCCD1}">
-              <a14:hiddenFill xmlns="" xmlns:a14="http://schemas.microsoft.com/office/drawing/2010/main">
+              <a14:hiddenFill xmlns:a14="http://schemas.microsoft.com/office/drawing/2010/main" xmlns="">
                 <a:solidFill>
                   <a:srgbClr val="FFFFFF"/>
                 </a:solidFill>
               </a14:hiddenFill>
             </a:ext>
             <a:ext uri="{91240B29-F687-4f45-9708-019B960494DF}">
-              <a14:hiddenLine xmlns="" xmlns:a14="http://schemas.microsoft.com/office/drawing/2010/main" w="9525">
+              <a14:hiddenLine xmlns:a14="http://schemas.microsoft.com/office/drawing/2010/main" xmlns="" w="9525">
                 <a:solidFill>
                   <a:srgbClr val="000000"/>
                 </a:solidFill>
@@ -16219,8 +16464,8 @@
           </a:extLst>
         </p:spPr>
       </p:pic>
-      <mc:AlternateContent xmlns:mc="http://schemas.openxmlformats.org/markup-compatibility/2006" xmlns:a14="http://schemas.microsoft.com/office/drawing/2010/main">
-        <mc:Choice Requires="a14">
+      <mc:AlternateContent xmlns:mc="http://schemas.openxmlformats.org/markup-compatibility/2006">
+        <mc:Choice xmlns:a14="http://schemas.microsoft.com/office/drawing/2010/main" Requires="a14">
           <p:sp>
             <p:nvSpPr>
               <p:cNvPr id="6" name="Content Placeholder 2"/>
@@ -16342,7 +16587,7 @@
                 <a:r>
                   <a:rPr lang="zh-CN" altLang="en-US" sz="2000" kern="0" dirty="0">
                     <a:solidFill>
-                      <a:srgbClr val="003366"/>
+                      <a:srgbClr val="FF0000"/>
                     </a:solidFill>
                     <a:latin typeface="仿宋" panose="02010609060101010101" pitchFamily="49" charset="-122"/>
                     <a:ea typeface="仿宋" panose="02010609060101010101" pitchFamily="49" charset="-122"/>
@@ -16354,7 +16599,7 @@
                     <m:r>
                       <a:rPr lang="en-US" altLang="zh-CN" sz="2000" b="0" i="1" kern="0" smtClean="0">
                         <a:solidFill>
-                          <a:srgbClr val="003366"/>
+                          <a:srgbClr val="FF0000"/>
                         </a:solidFill>
                         <a:latin typeface="Cambria Math" panose="02040503050406030204" pitchFamily="18" charset="0"/>
                         <a:ea typeface="仿宋" panose="02010609060101010101" pitchFamily="49" charset="-122"/>
@@ -16364,7 +16609,7 @@
                     <m:r>
                       <a:rPr lang="en-US" altLang="zh-CN" sz="2000" b="0" i="1" kern="0" smtClean="0">
                         <a:solidFill>
-                          <a:srgbClr val="003366"/>
+                          <a:srgbClr val="FF0000"/>
                         </a:solidFill>
                         <a:latin typeface="Cambria Math" panose="02040503050406030204" pitchFamily="18" charset="0"/>
                         <a:ea typeface="Cambria Math" panose="02040503050406030204" pitchFamily="18" charset="0"/>
@@ -16376,7 +16621,7 @@
                 <a:r>
                   <a:rPr lang="zh-CN" altLang="en-US" sz="2000" kern="0" dirty="0">
                     <a:solidFill>
-                      <a:srgbClr val="003366"/>
+                      <a:srgbClr val="FF0000"/>
                     </a:solidFill>
                     <a:latin typeface="仿宋" panose="02010609060101010101" pitchFamily="49" charset="-122"/>
                     <a:ea typeface="仿宋" panose="02010609060101010101" pitchFamily="49" charset="-122"/>
@@ -16388,7 +16633,7 @@
                     <m:r>
                       <a:rPr lang="en-US" altLang="zh-CN" sz="2000" i="1" kern="0" smtClean="0">
                         <a:solidFill>
-                          <a:srgbClr val="003366"/>
+                          <a:srgbClr val="FF0000"/>
                         </a:solidFill>
                         <a:latin typeface="Cambria Math" panose="02040503050406030204" pitchFamily="18" charset="0"/>
                         <a:ea typeface="Cambria Math" panose="02040503050406030204" pitchFamily="18" charset="0"/>
@@ -16398,7 +16643,7 @@
                     <m:r>
                       <a:rPr lang="zh-CN" altLang="en-US" sz="2000" i="1" kern="0">
                         <a:solidFill>
-                          <a:srgbClr val="003366"/>
+                          <a:srgbClr val="FF0000"/>
                         </a:solidFill>
                         <a:latin typeface="Cambria Math" panose="02040503050406030204" pitchFamily="18" charset="0"/>
                         <a:ea typeface="Cambria Math" panose="02040503050406030204" pitchFamily="18" charset="0"/>
@@ -16408,7 +16653,7 @@
                     <m:r>
                       <a:rPr lang="zh-CN" altLang="en-US" sz="2000" i="1" kern="0" smtClean="0">
                         <a:solidFill>
-                          <a:srgbClr val="003366"/>
+                          <a:srgbClr val="FF0000"/>
                         </a:solidFill>
                         <a:latin typeface="Cambria Math" panose="02040503050406030204" pitchFamily="18" charset="0"/>
                         <a:ea typeface="Cambria Math" panose="02040503050406030204" pitchFamily="18" charset="0"/>
@@ -16418,7 +16663,7 @@
                     <m:r>
                       <a:rPr lang="zh-CN" altLang="en-US" sz="2000" i="1" kern="0">
                         <a:solidFill>
-                          <a:srgbClr val="003366"/>
+                          <a:srgbClr val="FF0000"/>
                         </a:solidFill>
                         <a:latin typeface="Cambria Math" panose="02040503050406030204" pitchFamily="18" charset="0"/>
                         <a:ea typeface="Cambria Math" panose="02040503050406030204" pitchFamily="18" charset="0"/>
@@ -16428,7 +16673,7 @@
                     <m:r>
                       <a:rPr lang="zh-CN" altLang="en-US" sz="2000" i="1" kern="0" smtClean="0">
                         <a:solidFill>
-                          <a:srgbClr val="003366"/>
+                          <a:srgbClr val="FF0000"/>
                         </a:solidFill>
                         <a:latin typeface="Cambria Math" panose="02040503050406030204" pitchFamily="18" charset="0"/>
                         <a:ea typeface="Cambria Math" panose="02040503050406030204" pitchFamily="18" charset="0"/>
@@ -16438,7 +16683,7 @@
                     <m:r>
                       <a:rPr lang="en-US" altLang="zh-CN" sz="2000" b="0" i="1" kern="0" smtClean="0">
                         <a:solidFill>
-                          <a:srgbClr val="003366"/>
+                          <a:srgbClr val="FF0000"/>
                         </a:solidFill>
                         <a:latin typeface="Cambria Math" panose="02040503050406030204" pitchFamily="18" charset="0"/>
                         <a:ea typeface="Cambria Math" panose="02040503050406030204" pitchFamily="18" charset="0"/>
@@ -16448,7 +16693,7 @@
                     <m:r>
                       <a:rPr lang="en-US" altLang="zh-CN" sz="2000" i="1" kern="0" smtClean="0">
                         <a:solidFill>
-                          <a:srgbClr val="003366"/>
+                          <a:srgbClr val="FF0000"/>
                         </a:solidFill>
                         <a:latin typeface="Cambria Math" panose="02040503050406030204" pitchFamily="18" charset="0"/>
                         <a:ea typeface="Cambria Math" panose="02040503050406030204" pitchFamily="18" charset="0"/>
@@ -16459,7 +16704,7 @@
                 </a14:m>
                 <a:endParaRPr lang="en-US" altLang="zh-CN" sz="2000" kern="0" dirty="0">
                   <a:solidFill>
-                    <a:srgbClr val="003366"/>
+                    <a:srgbClr val="FF0000"/>
                   </a:solidFill>
                   <a:latin typeface="仿宋" panose="02010609060101010101" pitchFamily="49" charset="-122"/>
                   <a:ea typeface="仿宋" panose="02010609060101010101" pitchFamily="49" charset="-122"/>
@@ -16535,7 +16780,7 @@
             </p:txBody>
           </p:sp>
         </mc:Choice>
-        <mc:Fallback xmlns="">
+        <mc:Fallback>
           <p:sp>
             <p:nvSpPr>
               <p:cNvPr id="6" name="Content Placeholder 2"/>
@@ -16685,14 +16930,14 @@
           </a:ln>
           <a:extLst>
             <a:ext uri="{909E8E84-426E-40dd-AFC4-6F175D3DCCD1}">
-              <a14:hiddenFill xmlns="" xmlns:a14="http://schemas.microsoft.com/office/drawing/2010/main">
+              <a14:hiddenFill xmlns:a14="http://schemas.microsoft.com/office/drawing/2010/main" xmlns="">
                 <a:solidFill>
                   <a:srgbClr val="FFFFFF"/>
                 </a:solidFill>
               </a14:hiddenFill>
             </a:ext>
             <a:ext uri="{91240B29-F687-4f45-9708-019B960494DF}">
-              <a14:hiddenLine xmlns="" xmlns:a14="http://schemas.microsoft.com/office/drawing/2010/main" w="9525">
+              <a14:hiddenLine xmlns:a14="http://schemas.microsoft.com/office/drawing/2010/main" xmlns="" w="9525">
                 <a:solidFill>
                   <a:srgbClr val="000000"/>
                 </a:solidFill>
@@ -16896,14 +17141,14 @@
           <a:noFill/>
           <a:extLst>
             <a:ext uri="{909E8E84-426E-40dd-AFC4-6F175D3DCCD1}">
-              <a14:hiddenFill xmlns="" xmlns:a14="http://schemas.microsoft.com/office/drawing/2010/main">
+              <a14:hiddenFill xmlns:a14="http://schemas.microsoft.com/office/drawing/2010/main" xmlns="">
                 <a:solidFill>
                   <a:srgbClr val="FFFFFF"/>
                 </a:solidFill>
               </a14:hiddenFill>
             </a:ext>
             <a:ext uri="{91240B29-F687-4f45-9708-019B960494DF}">
-              <a14:hiddenLine xmlns="" xmlns:a14="http://schemas.microsoft.com/office/drawing/2010/main" w="9525">
+              <a14:hiddenLine xmlns:a14="http://schemas.microsoft.com/office/drawing/2010/main" xmlns="" w="9525">
                 <a:solidFill>
                   <a:srgbClr val="000000"/>
                 </a:solidFill>
@@ -17122,14 +17367,14 @@
           </a:ln>
           <a:extLst>
             <a:ext uri="{909E8E84-426E-40dd-AFC4-6F175D3DCCD1}">
-              <a14:hiddenFill xmlns="" xmlns:a14="http://schemas.microsoft.com/office/drawing/2010/main">
+              <a14:hiddenFill xmlns:a14="http://schemas.microsoft.com/office/drawing/2010/main" xmlns="">
                 <a:solidFill>
                   <a:srgbClr val="FFFFFF"/>
                 </a:solidFill>
               </a14:hiddenFill>
             </a:ext>
             <a:ext uri="{91240B29-F687-4f45-9708-019B960494DF}">
-              <a14:hiddenLine xmlns="" xmlns:a14="http://schemas.microsoft.com/office/drawing/2010/main" w="9525">
+              <a14:hiddenLine xmlns:a14="http://schemas.microsoft.com/office/drawing/2010/main" xmlns="" w="9525">
                 <a:solidFill>
                   <a:srgbClr val="000000"/>
                 </a:solidFill>
@@ -17291,14 +17536,14 @@
           </a:ln>
           <a:extLst>
             <a:ext uri="{909E8E84-426E-40dd-AFC4-6F175D3DCCD1}">
-              <a14:hiddenFill xmlns="" xmlns:a14="http://schemas.microsoft.com/office/drawing/2010/main">
+              <a14:hiddenFill xmlns:a14="http://schemas.microsoft.com/office/drawing/2010/main" xmlns="">
                 <a:solidFill>
                   <a:srgbClr val="FFFFFF"/>
                 </a:solidFill>
               </a14:hiddenFill>
             </a:ext>
             <a:ext uri="{91240B29-F687-4f45-9708-019B960494DF}">
-              <a14:hiddenLine xmlns="" xmlns:a14="http://schemas.microsoft.com/office/drawing/2010/main" w="9525">
+              <a14:hiddenLine xmlns:a14="http://schemas.microsoft.com/office/drawing/2010/main" xmlns="" w="9525">
                 <a:solidFill>
                   <a:srgbClr val="000000"/>
                 </a:solidFill>
@@ -17502,14 +17747,14 @@
           <a:noFill/>
           <a:extLst>
             <a:ext uri="{909E8E84-426E-40dd-AFC4-6F175D3DCCD1}">
-              <a14:hiddenFill xmlns="" xmlns:a14="http://schemas.microsoft.com/office/drawing/2010/main">
+              <a14:hiddenFill xmlns:a14="http://schemas.microsoft.com/office/drawing/2010/main" xmlns="">
                 <a:solidFill>
                   <a:srgbClr val="FFFFFF"/>
                 </a:solidFill>
               </a14:hiddenFill>
             </a:ext>
             <a:ext uri="{91240B29-F687-4f45-9708-019B960494DF}">
-              <a14:hiddenLine xmlns="" xmlns:a14="http://schemas.microsoft.com/office/drawing/2010/main" w="9525">
+              <a14:hiddenLine xmlns:a14="http://schemas.microsoft.com/office/drawing/2010/main" xmlns="" w="9525">
                 <a:solidFill>
                   <a:srgbClr val="000000"/>
                 </a:solidFill>
@@ -17728,14 +17973,14 @@
           </a:ln>
           <a:extLst>
             <a:ext uri="{909E8E84-426E-40dd-AFC4-6F175D3DCCD1}">
-              <a14:hiddenFill xmlns="" xmlns:a14="http://schemas.microsoft.com/office/drawing/2010/main">
+              <a14:hiddenFill xmlns:a14="http://schemas.microsoft.com/office/drawing/2010/main" xmlns="">
                 <a:solidFill>
                   <a:srgbClr val="FFFFFF"/>
                 </a:solidFill>
               </a14:hiddenFill>
             </a:ext>
             <a:ext uri="{91240B29-F687-4f45-9708-019B960494DF}">
-              <a14:hiddenLine xmlns="" xmlns:a14="http://schemas.microsoft.com/office/drawing/2010/main" w="9525">
+              <a14:hiddenLine xmlns:a14="http://schemas.microsoft.com/office/drawing/2010/main" xmlns="" w="9525">
                 <a:solidFill>
                   <a:srgbClr val="000000"/>
                 </a:solidFill>
@@ -19031,14 +19276,14 @@
           </a:ln>
           <a:extLst>
             <a:ext uri="{909E8E84-426E-40dd-AFC4-6F175D3DCCD1}">
-              <a14:hiddenFill xmlns="" xmlns:a14="http://schemas.microsoft.com/office/drawing/2010/main">
+              <a14:hiddenFill xmlns:a14="http://schemas.microsoft.com/office/drawing/2010/main" xmlns="">
                 <a:solidFill>
                   <a:srgbClr val="FFFFFF"/>
                 </a:solidFill>
               </a14:hiddenFill>
             </a:ext>
             <a:ext uri="{91240B29-F687-4f45-9708-019B960494DF}">
-              <a14:hiddenLine xmlns="" xmlns:a14="http://schemas.microsoft.com/office/drawing/2010/main" w="9525">
+              <a14:hiddenLine xmlns:a14="http://schemas.microsoft.com/office/drawing/2010/main" xmlns="" w="9525">
                 <a:solidFill>
                   <a:srgbClr val="000000"/>
                 </a:solidFill>
@@ -19242,14 +19487,14 @@
           <a:noFill/>
           <a:extLst>
             <a:ext uri="{909E8E84-426E-40dd-AFC4-6F175D3DCCD1}">
-              <a14:hiddenFill xmlns="" xmlns:a14="http://schemas.microsoft.com/office/drawing/2010/main">
+              <a14:hiddenFill xmlns:a14="http://schemas.microsoft.com/office/drawing/2010/main" xmlns="">
                 <a:solidFill>
                   <a:srgbClr val="FFFFFF"/>
                 </a:solidFill>
               </a14:hiddenFill>
             </a:ext>
             <a:ext uri="{91240B29-F687-4f45-9708-019B960494DF}">
-              <a14:hiddenLine xmlns="" xmlns:a14="http://schemas.microsoft.com/office/drawing/2010/main" w="9525">
+              <a14:hiddenLine xmlns:a14="http://schemas.microsoft.com/office/drawing/2010/main" xmlns="" w="9525">
                 <a:solidFill>
                   <a:srgbClr val="000000"/>
                 </a:solidFill>
@@ -19468,14 +19713,14 @@
           </a:ln>
           <a:extLst>
             <a:ext uri="{909E8E84-426E-40dd-AFC4-6F175D3DCCD1}">
-              <a14:hiddenFill xmlns="" xmlns:a14="http://schemas.microsoft.com/office/drawing/2010/main">
+              <a14:hiddenFill xmlns:a14="http://schemas.microsoft.com/office/drawing/2010/main" xmlns="">
                 <a:solidFill>
                   <a:srgbClr val="FFFFFF"/>
                 </a:solidFill>
               </a14:hiddenFill>
             </a:ext>
             <a:ext uri="{91240B29-F687-4f45-9708-019B960494DF}">
-              <a14:hiddenLine xmlns="" xmlns:a14="http://schemas.microsoft.com/office/drawing/2010/main" w="9525">
+              <a14:hiddenLine xmlns:a14="http://schemas.microsoft.com/office/drawing/2010/main" xmlns="" w="9525">
                 <a:solidFill>
                   <a:srgbClr val="000000"/>
                 </a:solidFill>
@@ -20061,14 +20306,14 @@
           </a:ln>
           <a:extLst>
             <a:ext uri="{909E8E84-426E-40dd-AFC4-6F175D3DCCD1}">
-              <a14:hiddenFill xmlns="" xmlns:a14="http://schemas.microsoft.com/office/drawing/2010/main">
+              <a14:hiddenFill xmlns:a14="http://schemas.microsoft.com/office/drawing/2010/main" xmlns="">
                 <a:solidFill>
                   <a:srgbClr val="FFFFFF"/>
                 </a:solidFill>
               </a14:hiddenFill>
             </a:ext>
             <a:ext uri="{91240B29-F687-4f45-9708-019B960494DF}">
-              <a14:hiddenLine xmlns="" xmlns:a14="http://schemas.microsoft.com/office/drawing/2010/main" w="9525">
+              <a14:hiddenLine xmlns:a14="http://schemas.microsoft.com/office/drawing/2010/main" xmlns="" w="9525">
                 <a:solidFill>
                   <a:srgbClr val="000000"/>
                 </a:solidFill>
@@ -20272,14 +20517,14 @@
           <a:noFill/>
           <a:extLst>
             <a:ext uri="{909E8E84-426E-40dd-AFC4-6F175D3DCCD1}">
-              <a14:hiddenFill xmlns="" xmlns:a14="http://schemas.microsoft.com/office/drawing/2010/main">
+              <a14:hiddenFill xmlns:a14="http://schemas.microsoft.com/office/drawing/2010/main" xmlns="">
                 <a:solidFill>
                   <a:srgbClr val="FFFFFF"/>
                 </a:solidFill>
               </a14:hiddenFill>
             </a:ext>
             <a:ext uri="{91240B29-F687-4f45-9708-019B960494DF}">
-              <a14:hiddenLine xmlns="" xmlns:a14="http://schemas.microsoft.com/office/drawing/2010/main" w="9525">
+              <a14:hiddenLine xmlns:a14="http://schemas.microsoft.com/office/drawing/2010/main" xmlns="" w="9525">
                 <a:solidFill>
                   <a:srgbClr val="000000"/>
                 </a:solidFill>
@@ -20498,14 +20743,14 @@
           </a:ln>
           <a:extLst>
             <a:ext uri="{909E8E84-426E-40dd-AFC4-6F175D3DCCD1}">
-              <a14:hiddenFill xmlns="" xmlns:a14="http://schemas.microsoft.com/office/drawing/2010/main">
+              <a14:hiddenFill xmlns:a14="http://schemas.microsoft.com/office/drawing/2010/main" xmlns="">
                 <a:solidFill>
                   <a:srgbClr val="FFFFFF"/>
                 </a:solidFill>
               </a14:hiddenFill>
             </a:ext>
             <a:ext uri="{91240B29-F687-4f45-9708-019B960494DF}">
-              <a14:hiddenLine xmlns="" xmlns:a14="http://schemas.microsoft.com/office/drawing/2010/main" w="9525">
+              <a14:hiddenLine xmlns:a14="http://schemas.microsoft.com/office/drawing/2010/main" xmlns="" w="9525">
                 <a:solidFill>
                   <a:srgbClr val="000000"/>
                 </a:solidFill>
@@ -20517,8 +20762,8 @@
           </a:extLst>
         </p:spPr>
       </p:pic>
-      <mc:AlternateContent xmlns:mc="http://schemas.openxmlformats.org/markup-compatibility/2006" xmlns:a14="http://schemas.microsoft.com/office/drawing/2010/main">
-        <mc:Choice Requires="a14">
+      <mc:AlternateContent xmlns:mc="http://schemas.openxmlformats.org/markup-compatibility/2006">
+        <mc:Choice xmlns:a14="http://schemas.microsoft.com/office/drawing/2010/main" Requires="a14">
           <p:sp>
             <p:nvSpPr>
               <p:cNvPr id="6" name="Content Placeholder 2"/>
@@ -20615,14 +20860,24 @@
                     <a:latin typeface="仿宋" panose="02010609060101010101" pitchFamily="49" charset="-122"/>
                     <a:ea typeface="仿宋" panose="02010609060101010101" pitchFamily="49" charset="-122"/>
                   </a:rPr>
-                  <a:t>行，第</a:t>
+                  <a:t>行，</a:t>
+                </a:r>
+                <a:r>
+                  <a:rPr lang="zh-CN" altLang="en-US" sz="2400" kern="0" dirty="0">
+                    <a:solidFill>
+                      <a:srgbClr val="FF0000"/>
+                    </a:solidFill>
+                    <a:latin typeface="仿宋" panose="02010609060101010101" pitchFamily="49" charset="-122"/>
+                    <a:ea typeface="仿宋" panose="02010609060101010101" pitchFamily="49" charset="-122"/>
+                  </a:rPr>
+                  <a:t>第</a:t>
                 </a:r>
                 <a14:m>
                   <m:oMath xmlns:m="http://schemas.openxmlformats.org/officeDocument/2006/math">
                     <m:r>
                       <a:rPr lang="en-US" altLang="zh-CN" sz="2400" i="1" kern="0" dirty="0" smtClean="0">
                         <a:solidFill>
-                          <a:srgbClr val="003366"/>
+                          <a:srgbClr val="FF0000"/>
                         </a:solidFill>
                         <a:latin typeface="Cambria Math" panose="02040503050406030204" pitchFamily="18" charset="0"/>
                         <a:ea typeface="仿宋" panose="02010609060101010101" pitchFamily="49" charset="-122"/>
@@ -20634,7 +20889,7 @@
                 <a:r>
                   <a:rPr lang="zh-CN" altLang="en-US" sz="2400" kern="0" dirty="0">
                     <a:solidFill>
-                      <a:srgbClr val="003366"/>
+                      <a:srgbClr val="FF0000"/>
                     </a:solidFill>
                     <a:latin typeface="仿宋" panose="02010609060101010101" pitchFamily="49" charset="-122"/>
                     <a:ea typeface="仿宋" panose="02010609060101010101" pitchFamily="49" charset="-122"/>
@@ -20646,7 +20901,7 @@
                     <m:r>
                       <a:rPr lang="en-US" altLang="zh-CN" sz="2400" i="1" kern="0" dirty="0" smtClean="0">
                         <a:solidFill>
-                          <a:srgbClr val="003366"/>
+                          <a:srgbClr val="FF0000"/>
                         </a:solidFill>
                         <a:latin typeface="Cambria Math" panose="02040503050406030204" pitchFamily="18" charset="0"/>
                         <a:ea typeface="仿宋" panose="02010609060101010101" pitchFamily="49" charset="-122"/>
@@ -20658,7 +20913,7 @@
                 <a:r>
                   <a:rPr lang="zh-CN" altLang="en-US" sz="2400" kern="0" dirty="0">
                     <a:solidFill>
-                      <a:srgbClr val="003366"/>
+                      <a:srgbClr val="FF0000"/>
                     </a:solidFill>
                     <a:latin typeface="仿宋" panose="02010609060101010101" pitchFamily="49" charset="-122"/>
                     <a:ea typeface="仿宋" panose="02010609060101010101" pitchFamily="49" charset="-122"/>
@@ -20668,7 +20923,7 @@
                 <a:r>
                   <a:rPr lang="en-US" altLang="zh-CN" sz="2400" kern="0" dirty="0">
                     <a:solidFill>
-                      <a:srgbClr val="003366"/>
+                      <a:srgbClr val="FF0000"/>
                     </a:solidFill>
                     <a:latin typeface="仿宋" panose="02010609060101010101" pitchFamily="49" charset="-122"/>
                     <a:ea typeface="仿宋" panose="02010609060101010101" pitchFamily="49" charset="-122"/>
@@ -20678,7 +20933,7 @@
                 <a:r>
                   <a:rPr lang="zh-CN" altLang="en-US" sz="2400" kern="0" dirty="0">
                     <a:solidFill>
-                      <a:srgbClr val="003366"/>
+                      <a:srgbClr val="FF0000"/>
                     </a:solidFill>
                     <a:latin typeface="仿宋" panose="02010609060101010101" pitchFamily="49" charset="-122"/>
                     <a:ea typeface="仿宋" panose="02010609060101010101" pitchFamily="49" charset="-122"/>
@@ -20688,7 +20943,7 @@
                 <a:r>
                   <a:rPr lang="en-US" altLang="zh-CN" sz="2400" kern="0" dirty="0">
                     <a:solidFill>
-                      <a:srgbClr val="003366"/>
+                      <a:srgbClr val="FF0000"/>
                     </a:solidFill>
                     <a:latin typeface="仿宋" panose="02010609060101010101" pitchFamily="49" charset="-122"/>
                     <a:ea typeface="仿宋" panose="02010609060101010101" pitchFamily="49" charset="-122"/>
@@ -20698,7 +20953,7 @@
                 <a:r>
                   <a:rPr lang="zh-CN" altLang="en-US" sz="2400" kern="0" dirty="0">
                     <a:solidFill>
-                      <a:srgbClr val="003366"/>
+                      <a:srgbClr val="FF0000"/>
                     </a:solidFill>
                     <a:latin typeface="仿宋" panose="02010609060101010101" pitchFamily="49" charset="-122"/>
                     <a:ea typeface="仿宋" panose="02010609060101010101" pitchFamily="49" charset="-122"/>
@@ -20708,7 +20963,7 @@
                 <a:r>
                   <a:rPr lang="en-US" altLang="zh-CN" sz="2400" kern="0" dirty="0">
                     <a:solidFill>
-                      <a:srgbClr val="003366"/>
+                      <a:srgbClr val="FF0000"/>
                     </a:solidFill>
                     <a:latin typeface="仿宋" panose="02010609060101010101" pitchFamily="49" charset="-122"/>
                     <a:ea typeface="仿宋" panose="02010609060101010101" pitchFamily="49" charset="-122"/>
@@ -20718,7 +20973,7 @@
                 <a:r>
                   <a:rPr lang="zh-CN" altLang="en-US" sz="2400" kern="0" dirty="0">
                     <a:solidFill>
-                      <a:srgbClr val="003366"/>
+                      <a:srgbClr val="FF0000"/>
                     </a:solidFill>
                     <a:latin typeface="仿宋" panose="02010609060101010101" pitchFamily="49" charset="-122"/>
                     <a:ea typeface="仿宋" panose="02010609060101010101" pitchFamily="49" charset="-122"/>
@@ -20730,7 +20985,7 @@
                     <m:r>
                       <a:rPr lang="en-US" altLang="zh-CN" sz="2400" i="1" kern="0" dirty="0" smtClean="0">
                         <a:solidFill>
-                          <a:srgbClr val="003366"/>
+                          <a:srgbClr val="FF0000"/>
                         </a:solidFill>
                         <a:latin typeface="Cambria Math" panose="02040503050406030204" pitchFamily="18" charset="0"/>
                         <a:ea typeface="仿宋" panose="02010609060101010101" pitchFamily="49" charset="-122"/>
@@ -20742,7 +20997,7 @@
                 <a:r>
                   <a:rPr lang="zh-CN" altLang="en-US" sz="2400" kern="0" dirty="0">
                     <a:solidFill>
-                      <a:srgbClr val="003366"/>
+                      <a:srgbClr val="FF0000"/>
                     </a:solidFill>
                     <a:latin typeface="仿宋" panose="02010609060101010101" pitchFamily="49" charset="-122"/>
                     <a:ea typeface="仿宋" panose="02010609060101010101" pitchFamily="49" charset="-122"/>
@@ -20751,7 +21006,7 @@
                 </a:r>
                 <a:endParaRPr lang="en-US" altLang="zh-CN" sz="2400" kern="0" dirty="0">
                   <a:solidFill>
-                    <a:srgbClr val="003366"/>
+                    <a:srgbClr val="FF0000"/>
                   </a:solidFill>
                   <a:latin typeface="仿宋" panose="02010609060101010101" pitchFamily="49" charset="-122"/>
                   <a:ea typeface="仿宋" panose="02010609060101010101" pitchFamily="49" charset="-122"/>
@@ -20982,7 +21237,7 @@
             </p:txBody>
           </p:sp>
         </mc:Choice>
-        <mc:Fallback xmlns="">
+        <mc:Fallback>
           <p:sp>
             <p:nvSpPr>
               <p:cNvPr id="6" name="Content Placeholder 2"/>
@@ -22590,14 +22845,14 @@
           </a:ln>
           <a:extLst>
             <a:ext uri="{909E8E84-426E-40dd-AFC4-6F175D3DCCD1}">
-              <a14:hiddenFill xmlns="" xmlns:a14="http://schemas.microsoft.com/office/drawing/2010/main">
+              <a14:hiddenFill xmlns:a14="http://schemas.microsoft.com/office/drawing/2010/main" xmlns="">
                 <a:solidFill>
                   <a:srgbClr val="FFFFFF"/>
                 </a:solidFill>
               </a14:hiddenFill>
             </a:ext>
             <a:ext uri="{91240B29-F687-4f45-9708-019B960494DF}">
-              <a14:hiddenLine xmlns="" xmlns:a14="http://schemas.microsoft.com/office/drawing/2010/main" w="9525">
+              <a14:hiddenLine xmlns:a14="http://schemas.microsoft.com/office/drawing/2010/main" xmlns="" w="9525">
                 <a:solidFill>
                   <a:srgbClr val="000000"/>
                 </a:solidFill>
@@ -22801,14 +23056,14 @@
           <a:noFill/>
           <a:extLst>
             <a:ext uri="{909E8E84-426E-40dd-AFC4-6F175D3DCCD1}">
-              <a14:hiddenFill xmlns="" xmlns:a14="http://schemas.microsoft.com/office/drawing/2010/main">
+              <a14:hiddenFill xmlns:a14="http://schemas.microsoft.com/office/drawing/2010/main" xmlns="">
                 <a:solidFill>
                   <a:srgbClr val="FFFFFF"/>
                 </a:solidFill>
               </a14:hiddenFill>
             </a:ext>
             <a:ext uri="{91240B29-F687-4f45-9708-019B960494DF}">
-              <a14:hiddenLine xmlns="" xmlns:a14="http://schemas.microsoft.com/office/drawing/2010/main" w="9525">
+              <a14:hiddenLine xmlns:a14="http://schemas.microsoft.com/office/drawing/2010/main" xmlns="" w="9525">
                 <a:solidFill>
                   <a:srgbClr val="000000"/>
                 </a:solidFill>
@@ -23027,14 +23282,14 @@
           </a:ln>
           <a:extLst>
             <a:ext uri="{909E8E84-426E-40dd-AFC4-6F175D3DCCD1}">
-              <a14:hiddenFill xmlns="" xmlns:a14="http://schemas.microsoft.com/office/drawing/2010/main">
+              <a14:hiddenFill xmlns:a14="http://schemas.microsoft.com/office/drawing/2010/main" xmlns="">
                 <a:solidFill>
                   <a:srgbClr val="FFFFFF"/>
                 </a:solidFill>
               </a14:hiddenFill>
             </a:ext>
             <a:ext uri="{91240B29-F687-4f45-9708-019B960494DF}">
-              <a14:hiddenLine xmlns="" xmlns:a14="http://schemas.microsoft.com/office/drawing/2010/main" w="9525">
+              <a14:hiddenLine xmlns:a14="http://schemas.microsoft.com/office/drawing/2010/main" xmlns="" w="9525">
                 <a:solidFill>
                   <a:srgbClr val="000000"/>
                 </a:solidFill>
@@ -23316,14 +23571,14 @@
           </a:ln>
           <a:extLst>
             <a:ext uri="{909E8E84-426E-40dd-AFC4-6F175D3DCCD1}">
-              <a14:hiddenFill xmlns="" xmlns:a14="http://schemas.microsoft.com/office/drawing/2010/main">
+              <a14:hiddenFill xmlns:a14="http://schemas.microsoft.com/office/drawing/2010/main" xmlns="">
                 <a:solidFill>
                   <a:srgbClr val="FFFFFF"/>
                 </a:solidFill>
               </a14:hiddenFill>
             </a:ext>
             <a:ext uri="{91240B29-F687-4f45-9708-019B960494DF}">
-              <a14:hiddenLine xmlns="" xmlns:a14="http://schemas.microsoft.com/office/drawing/2010/main" w="9525">
+              <a14:hiddenLine xmlns:a14="http://schemas.microsoft.com/office/drawing/2010/main" xmlns="" w="9525">
                 <a:solidFill>
                   <a:srgbClr val="000000"/>
                 </a:solidFill>
@@ -23527,14 +23782,14 @@
           <a:noFill/>
           <a:extLst>
             <a:ext uri="{909E8E84-426E-40dd-AFC4-6F175D3DCCD1}">
-              <a14:hiddenFill xmlns="" xmlns:a14="http://schemas.microsoft.com/office/drawing/2010/main">
+              <a14:hiddenFill xmlns:a14="http://schemas.microsoft.com/office/drawing/2010/main" xmlns="">
                 <a:solidFill>
                   <a:srgbClr val="FFFFFF"/>
                 </a:solidFill>
               </a14:hiddenFill>
             </a:ext>
             <a:ext uri="{91240B29-F687-4f45-9708-019B960494DF}">
-              <a14:hiddenLine xmlns="" xmlns:a14="http://schemas.microsoft.com/office/drawing/2010/main" w="9525">
+              <a14:hiddenLine xmlns:a14="http://schemas.microsoft.com/office/drawing/2010/main" xmlns="" w="9525">
                 <a:solidFill>
                   <a:srgbClr val="000000"/>
                 </a:solidFill>
@@ -23753,14 +24008,14 @@
           </a:ln>
           <a:extLst>
             <a:ext uri="{909E8E84-426E-40dd-AFC4-6F175D3DCCD1}">
-              <a14:hiddenFill xmlns="" xmlns:a14="http://schemas.microsoft.com/office/drawing/2010/main">
+              <a14:hiddenFill xmlns:a14="http://schemas.microsoft.com/office/drawing/2010/main" xmlns="">
                 <a:solidFill>
                   <a:srgbClr val="FFFFFF"/>
                 </a:solidFill>
               </a14:hiddenFill>
             </a:ext>
             <a:ext uri="{91240B29-F687-4f45-9708-019B960494DF}">
-              <a14:hiddenLine xmlns="" xmlns:a14="http://schemas.microsoft.com/office/drawing/2010/main" w="9525">
+              <a14:hiddenLine xmlns:a14="http://schemas.microsoft.com/office/drawing/2010/main" xmlns="" w="9525">
                 <a:solidFill>
                   <a:srgbClr val="000000"/>
                 </a:solidFill>
@@ -24242,14 +24497,14 @@
           </a:ln>
           <a:extLst>
             <a:ext uri="{909E8E84-426E-40dd-AFC4-6F175D3DCCD1}">
-              <a14:hiddenFill xmlns="" xmlns:a14="http://schemas.microsoft.com/office/drawing/2010/main">
+              <a14:hiddenFill xmlns:a14="http://schemas.microsoft.com/office/drawing/2010/main" xmlns="">
                 <a:solidFill>
                   <a:srgbClr val="FFFFFF"/>
                 </a:solidFill>
               </a14:hiddenFill>
             </a:ext>
             <a:ext uri="{91240B29-F687-4f45-9708-019B960494DF}">
-              <a14:hiddenLine xmlns="" xmlns:a14="http://schemas.microsoft.com/office/drawing/2010/main" w="9525">
+              <a14:hiddenLine xmlns:a14="http://schemas.microsoft.com/office/drawing/2010/main" xmlns="" w="9525">
                 <a:solidFill>
                   <a:srgbClr val="000000"/>
                 </a:solidFill>
@@ -24463,14 +24718,14 @@
           <a:noFill/>
           <a:extLst>
             <a:ext uri="{909E8E84-426E-40dd-AFC4-6F175D3DCCD1}">
-              <a14:hiddenFill xmlns="" xmlns:a14="http://schemas.microsoft.com/office/drawing/2010/main">
+              <a14:hiddenFill xmlns:a14="http://schemas.microsoft.com/office/drawing/2010/main" xmlns="">
                 <a:solidFill>
                   <a:srgbClr val="FFFFFF"/>
                 </a:solidFill>
               </a14:hiddenFill>
             </a:ext>
             <a:ext uri="{91240B29-F687-4f45-9708-019B960494DF}">
-              <a14:hiddenLine xmlns="" xmlns:a14="http://schemas.microsoft.com/office/drawing/2010/main" w="9525">
+              <a14:hiddenLine xmlns:a14="http://schemas.microsoft.com/office/drawing/2010/main" xmlns="" w="9525">
                 <a:solidFill>
                   <a:srgbClr val="000000"/>
                 </a:solidFill>
@@ -24689,14 +24944,14 @@
           </a:ln>
           <a:extLst>
             <a:ext uri="{909E8E84-426E-40dd-AFC4-6F175D3DCCD1}">
-              <a14:hiddenFill xmlns="" xmlns:a14="http://schemas.microsoft.com/office/drawing/2010/main">
+              <a14:hiddenFill xmlns:a14="http://schemas.microsoft.com/office/drawing/2010/main" xmlns="">
                 <a:solidFill>
                   <a:srgbClr val="FFFFFF"/>
                 </a:solidFill>
               </a14:hiddenFill>
             </a:ext>
             <a:ext uri="{91240B29-F687-4f45-9708-019B960494DF}">
-              <a14:hiddenLine xmlns="" xmlns:a14="http://schemas.microsoft.com/office/drawing/2010/main" w="9525">
+              <a14:hiddenLine xmlns:a14="http://schemas.microsoft.com/office/drawing/2010/main" xmlns="" w="9525">
                 <a:solidFill>
                   <a:srgbClr val="000000"/>
                 </a:solidFill>
@@ -25220,14 +25475,14 @@
           </a:ln>
           <a:extLst>
             <a:ext uri="{909E8E84-426E-40dd-AFC4-6F175D3DCCD1}">
-              <a14:hiddenFill xmlns="" xmlns:a14="http://schemas.microsoft.com/office/drawing/2010/main">
+              <a14:hiddenFill xmlns:a14="http://schemas.microsoft.com/office/drawing/2010/main" xmlns="">
                 <a:solidFill>
                   <a:srgbClr val="FFFFFF"/>
                 </a:solidFill>
               </a14:hiddenFill>
             </a:ext>
             <a:ext uri="{91240B29-F687-4f45-9708-019B960494DF}">
-              <a14:hiddenLine xmlns="" xmlns:a14="http://schemas.microsoft.com/office/drawing/2010/main" w="9525">
+              <a14:hiddenLine xmlns:a14="http://schemas.microsoft.com/office/drawing/2010/main" xmlns="" w="9525">
                 <a:solidFill>
                   <a:srgbClr val="000000"/>
                 </a:solidFill>
@@ -25431,14 +25686,14 @@
           <a:noFill/>
           <a:extLst>
             <a:ext uri="{909E8E84-426E-40dd-AFC4-6F175D3DCCD1}">
-              <a14:hiddenFill xmlns="" xmlns:a14="http://schemas.microsoft.com/office/drawing/2010/main">
+              <a14:hiddenFill xmlns:a14="http://schemas.microsoft.com/office/drawing/2010/main" xmlns="">
                 <a:solidFill>
                   <a:srgbClr val="FFFFFF"/>
                 </a:solidFill>
               </a14:hiddenFill>
             </a:ext>
             <a:ext uri="{91240B29-F687-4f45-9708-019B960494DF}">
-              <a14:hiddenLine xmlns="" xmlns:a14="http://schemas.microsoft.com/office/drawing/2010/main" w="9525">
+              <a14:hiddenLine xmlns:a14="http://schemas.microsoft.com/office/drawing/2010/main" xmlns="" w="9525">
                 <a:solidFill>
                   <a:srgbClr val="000000"/>
                 </a:solidFill>
@@ -25657,14 +25912,14 @@
           </a:ln>
           <a:extLst>
             <a:ext uri="{909E8E84-426E-40dd-AFC4-6F175D3DCCD1}">
-              <a14:hiddenFill xmlns="" xmlns:a14="http://schemas.microsoft.com/office/drawing/2010/main">
+              <a14:hiddenFill xmlns:a14="http://schemas.microsoft.com/office/drawing/2010/main" xmlns="">
                 <a:solidFill>
                   <a:srgbClr val="FFFFFF"/>
                 </a:solidFill>
               </a14:hiddenFill>
             </a:ext>
             <a:ext uri="{91240B29-F687-4f45-9708-019B960494DF}">
-              <a14:hiddenLine xmlns="" xmlns:a14="http://schemas.microsoft.com/office/drawing/2010/main" w="9525">
+              <a14:hiddenLine xmlns:a14="http://schemas.microsoft.com/office/drawing/2010/main" xmlns="" w="9525">
                 <a:solidFill>
                   <a:srgbClr val="000000"/>
                 </a:solidFill>
@@ -25946,14 +26201,14 @@
           </a:ln>
           <a:extLst>
             <a:ext uri="{909E8E84-426E-40dd-AFC4-6F175D3DCCD1}">
-              <a14:hiddenFill xmlns="" xmlns:a14="http://schemas.microsoft.com/office/drawing/2010/main">
+              <a14:hiddenFill xmlns:a14="http://schemas.microsoft.com/office/drawing/2010/main" xmlns="">
                 <a:solidFill>
                   <a:srgbClr val="FFFFFF"/>
                 </a:solidFill>
               </a14:hiddenFill>
             </a:ext>
             <a:ext uri="{91240B29-F687-4f45-9708-019B960494DF}">
-              <a14:hiddenLine xmlns="" xmlns:a14="http://schemas.microsoft.com/office/drawing/2010/main" w="9525">
+              <a14:hiddenLine xmlns:a14="http://schemas.microsoft.com/office/drawing/2010/main" xmlns="" w="9525">
                 <a:solidFill>
                   <a:srgbClr val="000000"/>
                 </a:solidFill>
@@ -26157,14 +26412,14 @@
           <a:noFill/>
           <a:extLst>
             <a:ext uri="{909E8E84-426E-40dd-AFC4-6F175D3DCCD1}">
-              <a14:hiddenFill xmlns="" xmlns:a14="http://schemas.microsoft.com/office/drawing/2010/main">
+              <a14:hiddenFill xmlns:a14="http://schemas.microsoft.com/office/drawing/2010/main" xmlns="">
                 <a:solidFill>
                   <a:srgbClr val="FFFFFF"/>
                 </a:solidFill>
               </a14:hiddenFill>
             </a:ext>
             <a:ext uri="{91240B29-F687-4f45-9708-019B960494DF}">
-              <a14:hiddenLine xmlns="" xmlns:a14="http://schemas.microsoft.com/office/drawing/2010/main" w="9525">
+              <a14:hiddenLine xmlns:a14="http://schemas.microsoft.com/office/drawing/2010/main" xmlns="" w="9525">
                 <a:solidFill>
                   <a:srgbClr val="000000"/>
                 </a:solidFill>
@@ -26383,14 +26638,14 @@
           </a:ln>
           <a:extLst>
             <a:ext uri="{909E8E84-426E-40dd-AFC4-6F175D3DCCD1}">
-              <a14:hiddenFill xmlns="" xmlns:a14="http://schemas.microsoft.com/office/drawing/2010/main">
+              <a14:hiddenFill xmlns:a14="http://schemas.microsoft.com/office/drawing/2010/main" xmlns="">
                 <a:solidFill>
                   <a:srgbClr val="FFFFFF"/>
                 </a:solidFill>
               </a14:hiddenFill>
             </a:ext>
             <a:ext uri="{91240B29-F687-4f45-9708-019B960494DF}">
-              <a14:hiddenLine xmlns="" xmlns:a14="http://schemas.microsoft.com/office/drawing/2010/main" w="9525">
+              <a14:hiddenLine xmlns:a14="http://schemas.microsoft.com/office/drawing/2010/main" xmlns="" w="9525">
                 <a:solidFill>
                   <a:srgbClr val="000000"/>
                 </a:solidFill>
@@ -26988,14 +27243,14 @@
           </a:ln>
           <a:extLst>
             <a:ext uri="{909E8E84-426E-40dd-AFC4-6F175D3DCCD1}">
-              <a14:hiddenFill xmlns="" xmlns:a14="http://schemas.microsoft.com/office/drawing/2010/main">
+              <a14:hiddenFill xmlns:a14="http://schemas.microsoft.com/office/drawing/2010/main" xmlns="">
                 <a:solidFill>
                   <a:srgbClr val="FFFFFF"/>
                 </a:solidFill>
               </a14:hiddenFill>
             </a:ext>
             <a:ext uri="{91240B29-F687-4f45-9708-019B960494DF}">
-              <a14:hiddenLine xmlns="" xmlns:a14="http://schemas.microsoft.com/office/drawing/2010/main" w="9525">
+              <a14:hiddenLine xmlns:a14="http://schemas.microsoft.com/office/drawing/2010/main" xmlns="" w="9525">
                 <a:solidFill>
                   <a:srgbClr val="000000"/>
                 </a:solidFill>
@@ -27199,14 +27454,14 @@
           <a:noFill/>
           <a:extLst>
             <a:ext uri="{909E8E84-426E-40dd-AFC4-6F175D3DCCD1}">
-              <a14:hiddenFill xmlns="" xmlns:a14="http://schemas.microsoft.com/office/drawing/2010/main">
+              <a14:hiddenFill xmlns:a14="http://schemas.microsoft.com/office/drawing/2010/main" xmlns="">
                 <a:solidFill>
                   <a:srgbClr val="FFFFFF"/>
                 </a:solidFill>
               </a14:hiddenFill>
             </a:ext>
             <a:ext uri="{91240B29-F687-4f45-9708-019B960494DF}">
-              <a14:hiddenLine xmlns="" xmlns:a14="http://schemas.microsoft.com/office/drawing/2010/main" w="9525">
+              <a14:hiddenLine xmlns:a14="http://schemas.microsoft.com/office/drawing/2010/main" xmlns="" w="9525">
                 <a:solidFill>
                   <a:srgbClr val="000000"/>
                 </a:solidFill>
@@ -27425,14 +27680,14 @@
           </a:ln>
           <a:extLst>
             <a:ext uri="{909E8E84-426E-40dd-AFC4-6F175D3DCCD1}">
-              <a14:hiddenFill xmlns="" xmlns:a14="http://schemas.microsoft.com/office/drawing/2010/main">
+              <a14:hiddenFill xmlns:a14="http://schemas.microsoft.com/office/drawing/2010/main" xmlns="">
                 <a:solidFill>
                   <a:srgbClr val="FFFFFF"/>
                 </a:solidFill>
               </a14:hiddenFill>
             </a:ext>
             <a:ext uri="{91240B29-F687-4f45-9708-019B960494DF}">
-              <a14:hiddenLine xmlns="" xmlns:a14="http://schemas.microsoft.com/office/drawing/2010/main" w="9525">
+              <a14:hiddenLine xmlns:a14="http://schemas.microsoft.com/office/drawing/2010/main" xmlns="" w="9525">
                 <a:solidFill>
                   <a:srgbClr val="000000"/>
                 </a:solidFill>
@@ -27694,14 +27949,14 @@
           </a:ln>
           <a:extLst>
             <a:ext uri="{909E8E84-426E-40dd-AFC4-6F175D3DCCD1}">
-              <a14:hiddenFill xmlns="" xmlns:a14="http://schemas.microsoft.com/office/drawing/2010/main">
+              <a14:hiddenFill xmlns:a14="http://schemas.microsoft.com/office/drawing/2010/main" xmlns="">
                 <a:solidFill>
                   <a:srgbClr val="FFFFFF"/>
                 </a:solidFill>
               </a14:hiddenFill>
             </a:ext>
             <a:ext uri="{91240B29-F687-4f45-9708-019B960494DF}">
-              <a14:hiddenLine xmlns="" xmlns:a14="http://schemas.microsoft.com/office/drawing/2010/main" w="9525">
+              <a14:hiddenLine xmlns:a14="http://schemas.microsoft.com/office/drawing/2010/main" xmlns="" w="9525">
                 <a:solidFill>
                   <a:srgbClr val="000000"/>
                 </a:solidFill>
@@ -27905,14 +28160,14 @@
           <a:noFill/>
           <a:extLst>
             <a:ext uri="{909E8E84-426E-40dd-AFC4-6F175D3DCCD1}">
-              <a14:hiddenFill xmlns="" xmlns:a14="http://schemas.microsoft.com/office/drawing/2010/main">
+              <a14:hiddenFill xmlns:a14="http://schemas.microsoft.com/office/drawing/2010/main" xmlns="">
                 <a:solidFill>
                   <a:srgbClr val="FFFFFF"/>
                 </a:solidFill>
               </a14:hiddenFill>
             </a:ext>
             <a:ext uri="{91240B29-F687-4f45-9708-019B960494DF}">
-              <a14:hiddenLine xmlns="" xmlns:a14="http://schemas.microsoft.com/office/drawing/2010/main" w="9525">
+              <a14:hiddenLine xmlns:a14="http://schemas.microsoft.com/office/drawing/2010/main" xmlns="" w="9525">
                 <a:solidFill>
                   <a:srgbClr val="000000"/>
                 </a:solidFill>
@@ -28131,14 +28386,14 @@
           </a:ln>
           <a:extLst>
             <a:ext uri="{909E8E84-426E-40dd-AFC4-6F175D3DCCD1}">
-              <a14:hiddenFill xmlns="" xmlns:a14="http://schemas.microsoft.com/office/drawing/2010/main">
+              <a14:hiddenFill xmlns:a14="http://schemas.microsoft.com/office/drawing/2010/main" xmlns="">
                 <a:solidFill>
                   <a:srgbClr val="FFFFFF"/>
                 </a:solidFill>
               </a14:hiddenFill>
             </a:ext>
             <a:ext uri="{91240B29-F687-4f45-9708-019B960494DF}">
-              <a14:hiddenLine xmlns="" xmlns:a14="http://schemas.microsoft.com/office/drawing/2010/main" w="9525">
+              <a14:hiddenLine xmlns:a14="http://schemas.microsoft.com/office/drawing/2010/main" xmlns="" w="9525">
                 <a:solidFill>
                   <a:srgbClr val="000000"/>
                 </a:solidFill>
@@ -28689,14 +28944,14 @@
           </a:ln>
           <a:extLst>
             <a:ext uri="{909E8E84-426E-40dd-AFC4-6F175D3DCCD1}">
-              <a14:hiddenFill xmlns="" xmlns:a14="http://schemas.microsoft.com/office/drawing/2010/main">
+              <a14:hiddenFill xmlns:a14="http://schemas.microsoft.com/office/drawing/2010/main" xmlns="">
                 <a:solidFill>
                   <a:srgbClr val="FFFFFF"/>
                 </a:solidFill>
               </a14:hiddenFill>
             </a:ext>
             <a:ext uri="{91240B29-F687-4f45-9708-019B960494DF}">
-              <a14:hiddenLine xmlns="" xmlns:a14="http://schemas.microsoft.com/office/drawing/2010/main" w="9525">
+              <a14:hiddenLine xmlns:a14="http://schemas.microsoft.com/office/drawing/2010/main" xmlns="" w="9525">
                 <a:solidFill>
                   <a:srgbClr val="000000"/>
                 </a:solidFill>
@@ -28900,14 +29155,14 @@
           <a:noFill/>
           <a:extLst>
             <a:ext uri="{909E8E84-426E-40dd-AFC4-6F175D3DCCD1}">
-              <a14:hiddenFill xmlns="" xmlns:a14="http://schemas.microsoft.com/office/drawing/2010/main">
+              <a14:hiddenFill xmlns:a14="http://schemas.microsoft.com/office/drawing/2010/main" xmlns="">
                 <a:solidFill>
                   <a:srgbClr val="FFFFFF"/>
                 </a:solidFill>
               </a14:hiddenFill>
             </a:ext>
             <a:ext uri="{91240B29-F687-4f45-9708-019B960494DF}">
-              <a14:hiddenLine xmlns="" xmlns:a14="http://schemas.microsoft.com/office/drawing/2010/main" w="9525">
+              <a14:hiddenLine xmlns:a14="http://schemas.microsoft.com/office/drawing/2010/main" xmlns="" w="9525">
                 <a:solidFill>
                   <a:srgbClr val="000000"/>
                 </a:solidFill>
@@ -29126,14 +29381,14 @@
           </a:ln>
           <a:extLst>
             <a:ext uri="{909E8E84-426E-40dd-AFC4-6F175D3DCCD1}">
-              <a14:hiddenFill xmlns="" xmlns:a14="http://schemas.microsoft.com/office/drawing/2010/main">
+              <a14:hiddenFill xmlns:a14="http://schemas.microsoft.com/office/drawing/2010/main" xmlns="">
                 <a:solidFill>
                   <a:srgbClr val="FFFFFF"/>
                 </a:solidFill>
               </a14:hiddenFill>
             </a:ext>
             <a:ext uri="{91240B29-F687-4f45-9708-019B960494DF}">
-              <a14:hiddenLine xmlns="" xmlns:a14="http://schemas.microsoft.com/office/drawing/2010/main" w="9525">
+              <a14:hiddenLine xmlns:a14="http://schemas.microsoft.com/office/drawing/2010/main" xmlns="" w="9525">
                 <a:solidFill>
                   <a:srgbClr val="000000"/>
                 </a:solidFill>
@@ -31206,14 +31461,14 @@
           </a:ln>
           <a:extLst>
             <a:ext uri="{909E8E84-426E-40dd-AFC4-6F175D3DCCD1}">
-              <a14:hiddenFill xmlns="" xmlns:a14="http://schemas.microsoft.com/office/drawing/2010/main">
+              <a14:hiddenFill xmlns:a14="http://schemas.microsoft.com/office/drawing/2010/main" xmlns="">
                 <a:solidFill>
                   <a:srgbClr val="FFFFFF"/>
                 </a:solidFill>
               </a14:hiddenFill>
             </a:ext>
             <a:ext uri="{91240B29-F687-4f45-9708-019B960494DF}">
-              <a14:hiddenLine xmlns="" xmlns:a14="http://schemas.microsoft.com/office/drawing/2010/main" w="9525">
+              <a14:hiddenLine xmlns:a14="http://schemas.microsoft.com/office/drawing/2010/main" xmlns="" w="9525">
                 <a:solidFill>
                   <a:srgbClr val="000000"/>
                 </a:solidFill>
@@ -31417,14 +31672,14 @@
           <a:noFill/>
           <a:extLst>
             <a:ext uri="{909E8E84-426E-40dd-AFC4-6F175D3DCCD1}">
-              <a14:hiddenFill xmlns="" xmlns:a14="http://schemas.microsoft.com/office/drawing/2010/main">
+              <a14:hiddenFill xmlns:a14="http://schemas.microsoft.com/office/drawing/2010/main" xmlns="">
                 <a:solidFill>
                   <a:srgbClr val="FFFFFF"/>
                 </a:solidFill>
               </a14:hiddenFill>
             </a:ext>
             <a:ext uri="{91240B29-F687-4f45-9708-019B960494DF}">
-              <a14:hiddenLine xmlns="" xmlns:a14="http://schemas.microsoft.com/office/drawing/2010/main" w="9525">
+              <a14:hiddenLine xmlns:a14="http://schemas.microsoft.com/office/drawing/2010/main" xmlns="" w="9525">
                 <a:solidFill>
                   <a:srgbClr val="000000"/>
                 </a:solidFill>
@@ -31643,14 +31898,14 @@
           </a:ln>
           <a:extLst>
             <a:ext uri="{909E8E84-426E-40dd-AFC4-6F175D3DCCD1}">
-              <a14:hiddenFill xmlns="" xmlns:a14="http://schemas.microsoft.com/office/drawing/2010/main">
+              <a14:hiddenFill xmlns:a14="http://schemas.microsoft.com/office/drawing/2010/main" xmlns="">
                 <a:solidFill>
                   <a:srgbClr val="FFFFFF"/>
                 </a:solidFill>
               </a14:hiddenFill>
             </a:ext>
             <a:ext uri="{91240B29-F687-4f45-9708-019B960494DF}">
-              <a14:hiddenLine xmlns="" xmlns:a14="http://schemas.microsoft.com/office/drawing/2010/main" w="9525">
+              <a14:hiddenLine xmlns:a14="http://schemas.microsoft.com/office/drawing/2010/main" xmlns="" w="9525">
                 <a:solidFill>
                   <a:srgbClr val="000000"/>
                 </a:solidFill>
@@ -33744,14 +33999,14 @@
           </a:ln>
           <a:extLst>
             <a:ext uri="{909E8E84-426E-40dd-AFC4-6F175D3DCCD1}">
-              <a14:hiddenFill xmlns="" xmlns:a14="http://schemas.microsoft.com/office/drawing/2010/main">
+              <a14:hiddenFill xmlns:a14="http://schemas.microsoft.com/office/drawing/2010/main" xmlns="">
                 <a:solidFill>
                   <a:srgbClr val="FFFFFF"/>
                 </a:solidFill>
               </a14:hiddenFill>
             </a:ext>
             <a:ext uri="{91240B29-F687-4f45-9708-019B960494DF}">
-              <a14:hiddenLine xmlns="" xmlns:a14="http://schemas.microsoft.com/office/drawing/2010/main" w="9525">
+              <a14:hiddenLine xmlns:a14="http://schemas.microsoft.com/office/drawing/2010/main" xmlns="" w="9525">
                 <a:solidFill>
                   <a:srgbClr val="000000"/>
                 </a:solidFill>
@@ -33965,14 +34220,14 @@
           <a:noFill/>
           <a:extLst>
             <a:ext uri="{909E8E84-426E-40dd-AFC4-6F175D3DCCD1}">
-              <a14:hiddenFill xmlns="" xmlns:a14="http://schemas.microsoft.com/office/drawing/2010/main">
+              <a14:hiddenFill xmlns:a14="http://schemas.microsoft.com/office/drawing/2010/main" xmlns="">
                 <a:solidFill>
                   <a:srgbClr val="FFFFFF"/>
                 </a:solidFill>
               </a14:hiddenFill>
             </a:ext>
             <a:ext uri="{91240B29-F687-4f45-9708-019B960494DF}">
-              <a14:hiddenLine xmlns="" xmlns:a14="http://schemas.microsoft.com/office/drawing/2010/main" w="9525">
+              <a14:hiddenLine xmlns:a14="http://schemas.microsoft.com/office/drawing/2010/main" xmlns="" w="9525">
                 <a:solidFill>
                   <a:srgbClr val="000000"/>
                 </a:solidFill>
@@ -34191,14 +34446,14 @@
           </a:ln>
           <a:extLst>
             <a:ext uri="{909E8E84-426E-40dd-AFC4-6F175D3DCCD1}">
-              <a14:hiddenFill xmlns="" xmlns:a14="http://schemas.microsoft.com/office/drawing/2010/main">
+              <a14:hiddenFill xmlns:a14="http://schemas.microsoft.com/office/drawing/2010/main" xmlns="">
                 <a:solidFill>
                   <a:srgbClr val="FFFFFF"/>
                 </a:solidFill>
               </a14:hiddenFill>
             </a:ext>
             <a:ext uri="{91240B29-F687-4f45-9708-019B960494DF}">
-              <a14:hiddenLine xmlns="" xmlns:a14="http://schemas.microsoft.com/office/drawing/2010/main" w="9525">
+              <a14:hiddenLine xmlns:a14="http://schemas.microsoft.com/office/drawing/2010/main" xmlns="" w="9525">
                 <a:solidFill>
                   <a:srgbClr val="000000"/>
                 </a:solidFill>
@@ -34722,14 +34977,14 @@
           </a:ln>
           <a:extLst>
             <a:ext uri="{909E8E84-426E-40dd-AFC4-6F175D3DCCD1}">
-              <a14:hiddenFill xmlns="" xmlns:a14="http://schemas.microsoft.com/office/drawing/2010/main">
+              <a14:hiddenFill xmlns:a14="http://schemas.microsoft.com/office/drawing/2010/main" xmlns="">
                 <a:solidFill>
                   <a:srgbClr val="FFFFFF"/>
                 </a:solidFill>
               </a14:hiddenFill>
             </a:ext>
             <a:ext uri="{91240B29-F687-4f45-9708-019B960494DF}">
-              <a14:hiddenLine xmlns="" xmlns:a14="http://schemas.microsoft.com/office/drawing/2010/main" w="9525">
+              <a14:hiddenLine xmlns:a14="http://schemas.microsoft.com/office/drawing/2010/main" xmlns="" w="9525">
                 <a:solidFill>
                   <a:srgbClr val="000000"/>
                 </a:solidFill>
@@ -34943,14 +35198,14 @@
           <a:noFill/>
           <a:extLst>
             <a:ext uri="{909E8E84-426E-40dd-AFC4-6F175D3DCCD1}">
-              <a14:hiddenFill xmlns="" xmlns:a14="http://schemas.microsoft.com/office/drawing/2010/main">
+              <a14:hiddenFill xmlns:a14="http://schemas.microsoft.com/office/drawing/2010/main" xmlns="">
                 <a:solidFill>
                   <a:srgbClr val="FFFFFF"/>
                 </a:solidFill>
               </a14:hiddenFill>
             </a:ext>
             <a:ext uri="{91240B29-F687-4f45-9708-019B960494DF}">
-              <a14:hiddenLine xmlns="" xmlns:a14="http://schemas.microsoft.com/office/drawing/2010/main" w="9525">
+              <a14:hiddenLine xmlns:a14="http://schemas.microsoft.com/office/drawing/2010/main" xmlns="" w="9525">
                 <a:solidFill>
                   <a:srgbClr val="000000"/>
                 </a:solidFill>
@@ -35169,14 +35424,14 @@
           </a:ln>
           <a:extLst>
             <a:ext uri="{909E8E84-426E-40dd-AFC4-6F175D3DCCD1}">
-              <a14:hiddenFill xmlns="" xmlns:a14="http://schemas.microsoft.com/office/drawing/2010/main">
+              <a14:hiddenFill xmlns:a14="http://schemas.microsoft.com/office/drawing/2010/main" xmlns="">
                 <a:solidFill>
                   <a:srgbClr val="FFFFFF"/>
                 </a:solidFill>
               </a14:hiddenFill>
             </a:ext>
             <a:ext uri="{91240B29-F687-4f45-9708-019B960494DF}">
-              <a14:hiddenLine xmlns="" xmlns:a14="http://schemas.microsoft.com/office/drawing/2010/main" w="9525">
+              <a14:hiddenLine xmlns:a14="http://schemas.microsoft.com/office/drawing/2010/main" xmlns="" w="9525">
                 <a:solidFill>
                   <a:srgbClr val="000000"/>
                 </a:solidFill>
@@ -35767,14 +36022,14 @@
           </a:ln>
           <a:extLst>
             <a:ext uri="{909E8E84-426E-40dd-AFC4-6F175D3DCCD1}">
-              <a14:hiddenFill xmlns="" xmlns:a14="http://schemas.microsoft.com/office/drawing/2010/main">
+              <a14:hiddenFill xmlns:a14="http://schemas.microsoft.com/office/drawing/2010/main" xmlns="">
                 <a:solidFill>
                   <a:srgbClr val="FFFFFF"/>
                 </a:solidFill>
               </a14:hiddenFill>
             </a:ext>
             <a:ext uri="{91240B29-F687-4f45-9708-019B960494DF}">
-              <a14:hiddenLine xmlns="" xmlns:a14="http://schemas.microsoft.com/office/drawing/2010/main" w="9525">
+              <a14:hiddenLine xmlns:a14="http://schemas.microsoft.com/office/drawing/2010/main" xmlns="" w="9525">
                 <a:solidFill>
                   <a:srgbClr val="000000"/>
                 </a:solidFill>
@@ -35978,14 +36233,14 @@
           <a:noFill/>
           <a:extLst>
             <a:ext uri="{909E8E84-426E-40dd-AFC4-6F175D3DCCD1}">
-              <a14:hiddenFill xmlns="" xmlns:a14="http://schemas.microsoft.com/office/drawing/2010/main">
+              <a14:hiddenFill xmlns:a14="http://schemas.microsoft.com/office/drawing/2010/main" xmlns="">
                 <a:solidFill>
                   <a:srgbClr val="FFFFFF"/>
                 </a:solidFill>
               </a14:hiddenFill>
             </a:ext>
             <a:ext uri="{91240B29-F687-4f45-9708-019B960494DF}">
-              <a14:hiddenLine xmlns="" xmlns:a14="http://schemas.microsoft.com/office/drawing/2010/main" w="9525">
+              <a14:hiddenLine xmlns:a14="http://schemas.microsoft.com/office/drawing/2010/main" xmlns="" w="9525">
                 <a:solidFill>
                   <a:srgbClr val="000000"/>
                 </a:solidFill>
@@ -36204,14 +36459,14 @@
           </a:ln>
           <a:extLst>
             <a:ext uri="{909E8E84-426E-40dd-AFC4-6F175D3DCCD1}">
-              <a14:hiddenFill xmlns="" xmlns:a14="http://schemas.microsoft.com/office/drawing/2010/main">
+              <a14:hiddenFill xmlns:a14="http://schemas.microsoft.com/office/drawing/2010/main" xmlns="">
                 <a:solidFill>
                   <a:srgbClr val="FFFFFF"/>
                 </a:solidFill>
               </a14:hiddenFill>
             </a:ext>
             <a:ext uri="{91240B29-F687-4f45-9708-019B960494DF}">
-              <a14:hiddenLine xmlns="" xmlns:a14="http://schemas.microsoft.com/office/drawing/2010/main" w="9525">
+              <a14:hiddenLine xmlns:a14="http://schemas.microsoft.com/office/drawing/2010/main" xmlns="" w="9525">
                 <a:solidFill>
                   <a:srgbClr val="000000"/>
                 </a:solidFill>
@@ -36963,14 +37218,14 @@
           </a:ln>
           <a:extLst>
             <a:ext uri="{909E8E84-426E-40dd-AFC4-6F175D3DCCD1}">
-              <a14:hiddenFill xmlns="" xmlns:a14="http://schemas.microsoft.com/office/drawing/2010/main">
+              <a14:hiddenFill xmlns:a14="http://schemas.microsoft.com/office/drawing/2010/main" xmlns="">
                 <a:solidFill>
                   <a:srgbClr val="FFFFFF"/>
                 </a:solidFill>
               </a14:hiddenFill>
             </a:ext>
             <a:ext uri="{91240B29-F687-4f45-9708-019B960494DF}">
-              <a14:hiddenLine xmlns="" xmlns:a14="http://schemas.microsoft.com/office/drawing/2010/main" w="9525">
+              <a14:hiddenLine xmlns:a14="http://schemas.microsoft.com/office/drawing/2010/main" xmlns="" w="9525">
                 <a:solidFill>
                   <a:srgbClr val="000000"/>
                 </a:solidFill>
@@ -37174,14 +37429,14 @@
           <a:noFill/>
           <a:extLst>
             <a:ext uri="{909E8E84-426E-40dd-AFC4-6F175D3DCCD1}">
-              <a14:hiddenFill xmlns="" xmlns:a14="http://schemas.microsoft.com/office/drawing/2010/main">
+              <a14:hiddenFill xmlns:a14="http://schemas.microsoft.com/office/drawing/2010/main" xmlns="">
                 <a:solidFill>
                   <a:srgbClr val="FFFFFF"/>
                 </a:solidFill>
               </a14:hiddenFill>
             </a:ext>
             <a:ext uri="{91240B29-F687-4f45-9708-019B960494DF}">
-              <a14:hiddenLine xmlns="" xmlns:a14="http://schemas.microsoft.com/office/drawing/2010/main" w="9525">
+              <a14:hiddenLine xmlns:a14="http://schemas.microsoft.com/office/drawing/2010/main" xmlns="" w="9525">
                 <a:solidFill>
                   <a:srgbClr val="000000"/>
                 </a:solidFill>
@@ -37400,14 +37655,14 @@
           </a:ln>
           <a:extLst>
             <a:ext uri="{909E8E84-426E-40dd-AFC4-6F175D3DCCD1}">
-              <a14:hiddenFill xmlns="" xmlns:a14="http://schemas.microsoft.com/office/drawing/2010/main">
+              <a14:hiddenFill xmlns:a14="http://schemas.microsoft.com/office/drawing/2010/main" xmlns="">
                 <a:solidFill>
                   <a:srgbClr val="FFFFFF"/>
                 </a:solidFill>
               </a14:hiddenFill>
             </a:ext>
             <a:ext uri="{91240B29-F687-4f45-9708-019B960494DF}">
-              <a14:hiddenLine xmlns="" xmlns:a14="http://schemas.microsoft.com/office/drawing/2010/main" w="9525">
+              <a14:hiddenLine xmlns:a14="http://schemas.microsoft.com/office/drawing/2010/main" xmlns="" w="9525">
                 <a:solidFill>
                   <a:srgbClr val="000000"/>
                 </a:solidFill>
@@ -37419,8 +37674,8 @@
           </a:extLst>
         </p:spPr>
       </p:pic>
-      <mc:AlternateContent xmlns:mc="http://schemas.openxmlformats.org/markup-compatibility/2006">
-        <mc:Choice xmlns:a14="http://schemas.microsoft.com/office/drawing/2010/main" Requires="a14">
+      <mc:AlternateContent xmlns:mc="http://schemas.openxmlformats.org/markup-compatibility/2006" xmlns:a14="http://schemas.microsoft.com/office/drawing/2010/main">
+        <mc:Choice Requires="a14">
           <p:sp>
             <p:nvSpPr>
               <p:cNvPr id="6" name="Content Placeholder 2"/>
@@ -38702,7 +38957,7 @@
             </p:txBody>
           </p:sp>
         </mc:Choice>
-        <mc:Fallback>
+        <mc:Fallback xmlns="">
           <p:sp>
             <p:nvSpPr>
               <p:cNvPr id="6" name="Content Placeholder 2"/>
@@ -38822,14 +39077,14 @@
           </a:ln>
           <a:extLst>
             <a:ext uri="{909E8E84-426E-40dd-AFC4-6F175D3DCCD1}">
-              <a14:hiddenFill xmlns="" xmlns:a14="http://schemas.microsoft.com/office/drawing/2010/main">
+              <a14:hiddenFill xmlns:a14="http://schemas.microsoft.com/office/drawing/2010/main" xmlns="">
                 <a:solidFill>
                   <a:srgbClr val="FFFFFF"/>
                 </a:solidFill>
               </a14:hiddenFill>
             </a:ext>
             <a:ext uri="{91240B29-F687-4f45-9708-019B960494DF}">
-              <a14:hiddenLine xmlns="" xmlns:a14="http://schemas.microsoft.com/office/drawing/2010/main" w="9525">
+              <a14:hiddenLine xmlns:a14="http://schemas.microsoft.com/office/drawing/2010/main" xmlns="" w="9525">
                 <a:solidFill>
                   <a:srgbClr val="000000"/>
                 </a:solidFill>
@@ -39033,14 +39288,14 @@
           <a:noFill/>
           <a:extLst>
             <a:ext uri="{909E8E84-426E-40dd-AFC4-6F175D3DCCD1}">
-              <a14:hiddenFill xmlns="" xmlns:a14="http://schemas.microsoft.com/office/drawing/2010/main">
+              <a14:hiddenFill xmlns:a14="http://schemas.microsoft.com/office/drawing/2010/main" xmlns="">
                 <a:solidFill>
                   <a:srgbClr val="FFFFFF"/>
                 </a:solidFill>
               </a14:hiddenFill>
             </a:ext>
             <a:ext uri="{91240B29-F687-4f45-9708-019B960494DF}">
-              <a14:hiddenLine xmlns="" xmlns:a14="http://schemas.microsoft.com/office/drawing/2010/main" w="9525">
+              <a14:hiddenLine xmlns:a14="http://schemas.microsoft.com/office/drawing/2010/main" xmlns="" w="9525">
                 <a:solidFill>
                   <a:srgbClr val="000000"/>
                 </a:solidFill>
@@ -39259,14 +39514,14 @@
           </a:ln>
           <a:extLst>
             <a:ext uri="{909E8E84-426E-40dd-AFC4-6F175D3DCCD1}">
-              <a14:hiddenFill xmlns="" xmlns:a14="http://schemas.microsoft.com/office/drawing/2010/main">
+              <a14:hiddenFill xmlns:a14="http://schemas.microsoft.com/office/drawing/2010/main" xmlns="">
                 <a:solidFill>
                   <a:srgbClr val="FFFFFF"/>
                 </a:solidFill>
               </a14:hiddenFill>
             </a:ext>
             <a:ext uri="{91240B29-F687-4f45-9708-019B960494DF}">
-              <a14:hiddenLine xmlns="" xmlns:a14="http://schemas.microsoft.com/office/drawing/2010/main" w="9525">
+              <a14:hiddenLine xmlns:a14="http://schemas.microsoft.com/office/drawing/2010/main" xmlns="" w="9525">
                 <a:solidFill>
                   <a:srgbClr val="000000"/>
                 </a:solidFill>
@@ -40009,14 +40264,14 @@
           </a:ln>
           <a:extLst>
             <a:ext uri="{909E8E84-426E-40dd-AFC4-6F175D3DCCD1}">
-              <a14:hiddenFill xmlns="" xmlns:a14="http://schemas.microsoft.com/office/drawing/2010/main">
+              <a14:hiddenFill xmlns:a14="http://schemas.microsoft.com/office/drawing/2010/main" xmlns="">
                 <a:solidFill>
                   <a:srgbClr val="FFFFFF"/>
                 </a:solidFill>
               </a14:hiddenFill>
             </a:ext>
             <a:ext uri="{91240B29-F687-4f45-9708-019B960494DF}">
-              <a14:hiddenLine xmlns="" xmlns:a14="http://schemas.microsoft.com/office/drawing/2010/main" w="9525">
+              <a14:hiddenLine xmlns:a14="http://schemas.microsoft.com/office/drawing/2010/main" xmlns="" w="9525">
                 <a:solidFill>
                   <a:srgbClr val="000000"/>
                 </a:solidFill>
@@ -40220,14 +40475,14 @@
           <a:noFill/>
           <a:extLst>
             <a:ext uri="{909E8E84-426E-40dd-AFC4-6F175D3DCCD1}">
-              <a14:hiddenFill xmlns="" xmlns:a14="http://schemas.microsoft.com/office/drawing/2010/main">
+              <a14:hiddenFill xmlns:a14="http://schemas.microsoft.com/office/drawing/2010/main" xmlns="">
                 <a:solidFill>
                   <a:srgbClr val="FFFFFF"/>
                 </a:solidFill>
               </a14:hiddenFill>
             </a:ext>
             <a:ext uri="{91240B29-F687-4f45-9708-019B960494DF}">
-              <a14:hiddenLine xmlns="" xmlns:a14="http://schemas.microsoft.com/office/drawing/2010/main" w="9525">
+              <a14:hiddenLine xmlns:a14="http://schemas.microsoft.com/office/drawing/2010/main" xmlns="" w="9525">
                 <a:solidFill>
                   <a:srgbClr val="000000"/>
                 </a:solidFill>
@@ -40446,14 +40701,14 @@
           </a:ln>
           <a:extLst>
             <a:ext uri="{909E8E84-426E-40dd-AFC4-6F175D3DCCD1}">
-              <a14:hiddenFill xmlns="" xmlns:a14="http://schemas.microsoft.com/office/drawing/2010/main">
+              <a14:hiddenFill xmlns:a14="http://schemas.microsoft.com/office/drawing/2010/main" xmlns="">
                 <a:solidFill>
                   <a:srgbClr val="FFFFFF"/>
                 </a:solidFill>
               </a14:hiddenFill>
             </a:ext>
             <a:ext uri="{91240B29-F687-4f45-9708-019B960494DF}">
-              <a14:hiddenLine xmlns="" xmlns:a14="http://schemas.microsoft.com/office/drawing/2010/main" w="9525">
+              <a14:hiddenLine xmlns:a14="http://schemas.microsoft.com/office/drawing/2010/main" xmlns="" w="9525">
                 <a:solidFill>
                   <a:srgbClr val="000000"/>
                 </a:solidFill>
@@ -42321,14 +42576,14 @@
           </a:ln>
           <a:extLst>
             <a:ext uri="{909E8E84-426E-40dd-AFC4-6F175D3DCCD1}">
-              <a14:hiddenFill xmlns="" xmlns:a14="http://schemas.microsoft.com/office/drawing/2010/main">
+              <a14:hiddenFill xmlns:a14="http://schemas.microsoft.com/office/drawing/2010/main" xmlns="">
                 <a:solidFill>
                   <a:srgbClr val="FFFFFF"/>
                 </a:solidFill>
               </a14:hiddenFill>
             </a:ext>
             <a:ext uri="{91240B29-F687-4f45-9708-019B960494DF}">
-              <a14:hiddenLine xmlns="" xmlns:a14="http://schemas.microsoft.com/office/drawing/2010/main" w="9525">
+              <a14:hiddenLine xmlns:a14="http://schemas.microsoft.com/office/drawing/2010/main" xmlns="" w="9525">
                 <a:solidFill>
                   <a:srgbClr val="000000"/>
                 </a:solidFill>
@@ -42532,14 +42787,14 @@
           <a:noFill/>
           <a:extLst>
             <a:ext uri="{909E8E84-426E-40dd-AFC4-6F175D3DCCD1}">
-              <a14:hiddenFill xmlns="" xmlns:a14="http://schemas.microsoft.com/office/drawing/2010/main">
+              <a14:hiddenFill xmlns:a14="http://schemas.microsoft.com/office/drawing/2010/main" xmlns="">
                 <a:solidFill>
                   <a:srgbClr val="FFFFFF"/>
                 </a:solidFill>
               </a14:hiddenFill>
             </a:ext>
             <a:ext uri="{91240B29-F687-4f45-9708-019B960494DF}">
-              <a14:hiddenLine xmlns="" xmlns:a14="http://schemas.microsoft.com/office/drawing/2010/main" w="9525">
+              <a14:hiddenLine xmlns:a14="http://schemas.microsoft.com/office/drawing/2010/main" xmlns="" w="9525">
                 <a:solidFill>
                   <a:srgbClr val="000000"/>
                 </a:solidFill>
@@ -42758,14 +43013,14 @@
           </a:ln>
           <a:extLst>
             <a:ext uri="{909E8E84-426E-40dd-AFC4-6F175D3DCCD1}">
-              <a14:hiddenFill xmlns="" xmlns:a14="http://schemas.microsoft.com/office/drawing/2010/main">
+              <a14:hiddenFill xmlns:a14="http://schemas.microsoft.com/office/drawing/2010/main" xmlns="">
                 <a:solidFill>
                   <a:srgbClr val="FFFFFF"/>
                 </a:solidFill>
               </a14:hiddenFill>
             </a:ext>
             <a:ext uri="{91240B29-F687-4f45-9708-019B960494DF}">
-              <a14:hiddenLine xmlns="" xmlns:a14="http://schemas.microsoft.com/office/drawing/2010/main" w="9525">
+              <a14:hiddenLine xmlns:a14="http://schemas.microsoft.com/office/drawing/2010/main" xmlns="" w="9525">
                 <a:solidFill>
                   <a:srgbClr val="000000"/>
                 </a:solidFill>
@@ -43674,14 +43929,14 @@
           </a:ln>
           <a:extLst>
             <a:ext uri="{909E8E84-426E-40dd-AFC4-6F175D3DCCD1}">
-              <a14:hiddenFill xmlns="" xmlns:a14="http://schemas.microsoft.com/office/drawing/2010/main">
+              <a14:hiddenFill xmlns:a14="http://schemas.microsoft.com/office/drawing/2010/main" xmlns="">
                 <a:solidFill>
                   <a:srgbClr val="FFFFFF"/>
                 </a:solidFill>
               </a14:hiddenFill>
             </a:ext>
             <a:ext uri="{91240B29-F687-4f45-9708-019B960494DF}">
-              <a14:hiddenLine xmlns="" xmlns:a14="http://schemas.microsoft.com/office/drawing/2010/main" w="9525">
+              <a14:hiddenLine xmlns:a14="http://schemas.microsoft.com/office/drawing/2010/main" xmlns="" w="9525">
                 <a:solidFill>
                   <a:srgbClr val="000000"/>
                 </a:solidFill>
@@ -43885,14 +44140,14 @@
           <a:noFill/>
           <a:extLst>
             <a:ext uri="{909E8E84-426E-40dd-AFC4-6F175D3DCCD1}">
-              <a14:hiddenFill xmlns="" xmlns:a14="http://schemas.microsoft.com/office/drawing/2010/main">
+              <a14:hiddenFill xmlns:a14="http://schemas.microsoft.com/office/drawing/2010/main" xmlns="">
                 <a:solidFill>
                   <a:srgbClr val="FFFFFF"/>
                 </a:solidFill>
               </a14:hiddenFill>
             </a:ext>
             <a:ext uri="{91240B29-F687-4f45-9708-019B960494DF}">
-              <a14:hiddenLine xmlns="" xmlns:a14="http://schemas.microsoft.com/office/drawing/2010/main" w="9525">
+              <a14:hiddenLine xmlns:a14="http://schemas.microsoft.com/office/drawing/2010/main" xmlns="" w="9525">
                 <a:solidFill>
                   <a:srgbClr val="000000"/>
                 </a:solidFill>
@@ -44111,14 +44366,14 @@
           </a:ln>
           <a:extLst>
             <a:ext uri="{909E8E84-426E-40dd-AFC4-6F175D3DCCD1}">
-              <a14:hiddenFill xmlns="" xmlns:a14="http://schemas.microsoft.com/office/drawing/2010/main">
+              <a14:hiddenFill xmlns:a14="http://schemas.microsoft.com/office/drawing/2010/main" xmlns="">
                 <a:solidFill>
                   <a:srgbClr val="FFFFFF"/>
                 </a:solidFill>
               </a14:hiddenFill>
             </a:ext>
             <a:ext uri="{91240B29-F687-4f45-9708-019B960494DF}">
-              <a14:hiddenLine xmlns="" xmlns:a14="http://schemas.microsoft.com/office/drawing/2010/main" w="9525">
+              <a14:hiddenLine xmlns:a14="http://schemas.microsoft.com/office/drawing/2010/main" xmlns="" w="9525">
                 <a:solidFill>
                   <a:srgbClr val="000000"/>
                 </a:solidFill>
@@ -44130,8 +44385,8 @@
           </a:extLst>
         </p:spPr>
       </p:pic>
-      <mc:AlternateContent xmlns:mc="http://schemas.openxmlformats.org/markup-compatibility/2006">
-        <mc:Choice xmlns:a14="http://schemas.microsoft.com/office/drawing/2010/main" Requires="a14">
+      <mc:AlternateContent xmlns:mc="http://schemas.openxmlformats.org/markup-compatibility/2006" xmlns:a14="http://schemas.microsoft.com/office/drawing/2010/main">
+        <mc:Choice Requires="a14">
           <p:sp>
             <p:nvSpPr>
               <p:cNvPr id="6" name="Content Placeholder 2"/>
@@ -44574,7 +44829,7 @@
             </p:txBody>
           </p:sp>
         </mc:Choice>
-        <mc:Fallback>
+        <mc:Fallback xmlns="">
           <p:sp>
             <p:nvSpPr>
               <p:cNvPr id="6" name="Content Placeholder 2"/>
